--- a/presentation/PowerEnjoy.pptx
+++ b/presentation/PowerEnjoy.pptx
@@ -19,21 +19,22 @@
     <p:sldId id="265" r:id="rId13"/>
     <p:sldId id="266" r:id="rId14"/>
     <p:sldId id="267" r:id="rId15"/>
-    <p:sldId id="268" r:id="rId16"/>
+    <p:sldId id="291" r:id="rId16"/>
     <p:sldId id="269" r:id="rId17"/>
     <p:sldId id="270" r:id="rId18"/>
-    <p:sldId id="288" r:id="rId19"/>
-    <p:sldId id="273" r:id="rId20"/>
-    <p:sldId id="272" r:id="rId21"/>
-    <p:sldId id="274" r:id="rId22"/>
-    <p:sldId id="276" r:id="rId23"/>
-    <p:sldId id="289" r:id="rId24"/>
-    <p:sldId id="279" r:id="rId25"/>
-    <p:sldId id="280" r:id="rId26"/>
-    <p:sldId id="281" r:id="rId27"/>
-    <p:sldId id="282" r:id="rId28"/>
-    <p:sldId id="283" r:id="rId29"/>
-    <p:sldId id="290" r:id="rId30"/>
+    <p:sldId id="268" r:id="rId19"/>
+    <p:sldId id="288" r:id="rId20"/>
+    <p:sldId id="273" r:id="rId21"/>
+    <p:sldId id="272" r:id="rId22"/>
+    <p:sldId id="274" r:id="rId23"/>
+    <p:sldId id="276" r:id="rId24"/>
+    <p:sldId id="289" r:id="rId25"/>
+    <p:sldId id="279" r:id="rId26"/>
+    <p:sldId id="280" r:id="rId27"/>
+    <p:sldId id="281" r:id="rId28"/>
+    <p:sldId id="282" r:id="rId29"/>
+    <p:sldId id="283" r:id="rId30"/>
+    <p:sldId id="290" r:id="rId31"/>
   </p:sldIdLst>
   <p:sldSz cx="12192000" cy="6858000"/>
   <p:notesSz cx="6858000" cy="9144000"/>
@@ -269,7 +270,7 @@
           <a:p>
             <a:fld id="{8474BBFD-1361-453B-B62C-B933B7849413}" type="datetimeFigureOut">
               <a:rPr lang="it-IT" smtClean="0"/>
-              <a:t>01/02/2017</a:t>
+              <a:t>02/02/2017</a:t>
             </a:fld>
             <a:endParaRPr lang="it-IT"/>
           </a:p>
@@ -437,7 +438,7 @@
           <a:p>
             <a:fld id="{8474BBFD-1361-453B-B62C-B933B7849413}" type="datetimeFigureOut">
               <a:rPr lang="it-IT" smtClean="0"/>
-              <a:t>01/02/2017</a:t>
+              <a:t>02/02/2017</a:t>
             </a:fld>
             <a:endParaRPr lang="it-IT"/>
           </a:p>
@@ -615,7 +616,7 @@
           <a:p>
             <a:fld id="{8474BBFD-1361-453B-B62C-B933B7849413}" type="datetimeFigureOut">
               <a:rPr lang="it-IT" smtClean="0"/>
-              <a:t>01/02/2017</a:t>
+              <a:t>02/02/2017</a:t>
             </a:fld>
             <a:endParaRPr lang="it-IT"/>
           </a:p>
@@ -783,7 +784,7 @@
           <a:p>
             <a:fld id="{8474BBFD-1361-453B-B62C-B933B7849413}" type="datetimeFigureOut">
               <a:rPr lang="it-IT" smtClean="0"/>
-              <a:t>01/02/2017</a:t>
+              <a:t>02/02/2017</a:t>
             </a:fld>
             <a:endParaRPr lang="it-IT"/>
           </a:p>
@@ -1028,7 +1029,7 @@
           <a:p>
             <a:fld id="{8474BBFD-1361-453B-B62C-B933B7849413}" type="datetimeFigureOut">
               <a:rPr lang="it-IT" smtClean="0"/>
-              <a:t>01/02/2017</a:t>
+              <a:t>02/02/2017</a:t>
             </a:fld>
             <a:endParaRPr lang="it-IT"/>
           </a:p>
@@ -1257,7 +1258,7 @@
           <a:p>
             <a:fld id="{8474BBFD-1361-453B-B62C-B933B7849413}" type="datetimeFigureOut">
               <a:rPr lang="it-IT" smtClean="0"/>
-              <a:t>01/02/2017</a:t>
+              <a:t>02/02/2017</a:t>
             </a:fld>
             <a:endParaRPr lang="it-IT"/>
           </a:p>
@@ -1621,7 +1622,7 @@
           <a:p>
             <a:fld id="{8474BBFD-1361-453B-B62C-B933B7849413}" type="datetimeFigureOut">
               <a:rPr lang="it-IT" smtClean="0"/>
-              <a:t>01/02/2017</a:t>
+              <a:t>02/02/2017</a:t>
             </a:fld>
             <a:endParaRPr lang="it-IT"/>
           </a:p>
@@ -1738,7 +1739,7 @@
           <a:p>
             <a:fld id="{8474BBFD-1361-453B-B62C-B933B7849413}" type="datetimeFigureOut">
               <a:rPr lang="it-IT" smtClean="0"/>
-              <a:t>01/02/2017</a:t>
+              <a:t>02/02/2017</a:t>
             </a:fld>
             <a:endParaRPr lang="it-IT"/>
           </a:p>
@@ -1833,7 +1834,7 @@
           <a:p>
             <a:fld id="{8474BBFD-1361-453B-B62C-B933B7849413}" type="datetimeFigureOut">
               <a:rPr lang="it-IT" smtClean="0"/>
-              <a:t>01/02/2017</a:t>
+              <a:t>02/02/2017</a:t>
             </a:fld>
             <a:endParaRPr lang="it-IT"/>
           </a:p>
@@ -2108,7 +2109,7 @@
           <a:p>
             <a:fld id="{8474BBFD-1361-453B-B62C-B933B7849413}" type="datetimeFigureOut">
               <a:rPr lang="it-IT" smtClean="0"/>
-              <a:t>01/02/2017</a:t>
+              <a:t>02/02/2017</a:t>
             </a:fld>
             <a:endParaRPr lang="it-IT"/>
           </a:p>
@@ -2360,7 +2361,7 @@
           <a:p>
             <a:fld id="{8474BBFD-1361-453B-B62C-B933B7849413}" type="datetimeFigureOut">
               <a:rPr lang="it-IT" smtClean="0"/>
-              <a:t>01/02/2017</a:t>
+              <a:t>02/02/2017</a:t>
             </a:fld>
             <a:endParaRPr lang="it-IT"/>
           </a:p>
@@ -2571,7 +2572,7 @@
           <a:p>
             <a:fld id="{8474BBFD-1361-453B-B62C-B933B7849413}" type="datetimeFigureOut">
               <a:rPr lang="it-IT" smtClean="0"/>
-              <a:t>01/02/2017</a:t>
+              <a:t>02/02/2017</a:t>
             </a:fld>
             <a:endParaRPr lang="it-IT"/>
           </a:p>
@@ -3176,6 +3177,47 @@
           </a:p>
         </p:txBody>
       </p:sp>
+      <p:sp>
+        <p:nvSpPr>
+          <p:cNvPr id="5" name="CasellaDiTesto 4"/>
+          <p:cNvSpPr txBox="1"/>
+          <p:nvPr/>
+        </p:nvSpPr>
+        <p:spPr>
+          <a:xfrm>
+            <a:off x="1" y="6675847"/>
+            <a:ext cx="5280613" cy="215444"/>
+          </a:xfrm>
+          <a:prstGeom prst="rect">
+            <a:avLst/>
+          </a:prstGeom>
+          <a:noFill/>
+        </p:spPr>
+        <p:txBody>
+          <a:bodyPr wrap="none" rtlCol="0">
+            <a:spAutoFit/>
+          </a:bodyPr>
+          <a:lstStyle/>
+          <a:p>
+            <a:r>
+              <a:rPr lang="it-IT" sz="800" dirty="0"/>
+              <a:t>Link to the </a:t>
+            </a:r>
+            <a:r>
+              <a:rPr lang="it-IT" sz="800" dirty="0" err="1"/>
+              <a:t>original</a:t>
+            </a:r>
+            <a:r>
+              <a:rPr lang="it-IT" sz="800"/>
+              <a:t> image</a:t>
+            </a:r>
+            <a:r>
+              <a:rPr lang="it-IT" sz="800" dirty="0"/>
+              <a:t>: http://www.blogcdn.com/green.autoblog.com/media/2013/05/tesla-model-s-supercharger.jpg</a:t>
+            </a:r>
+          </a:p>
+        </p:txBody>
+      </p:sp>
     </p:spTree>
     <p:extLst>
       <p:ext uri="{BB962C8B-B14F-4D97-AF65-F5344CB8AC3E}">
@@ -3452,7 +3494,7 @@
           <a:p>
             <a:r>
               <a:rPr lang="it-IT" dirty="0"/>
-              <a:t>HIGH LEVEL PACKAGES INTERACTION</a:t>
+              <a:t>HIGH-LEVEL PACKAGES INTERACTION</a:t>
             </a:r>
           </a:p>
         </p:txBody>
@@ -3635,19 +3677,14 @@
             <p:ph type="title"/>
           </p:nvPr>
         </p:nvSpPr>
-        <p:spPr>
-          <a:xfrm>
-            <a:off x="895672" y="56803"/>
-            <a:ext cx="10515600" cy="1325563"/>
-          </a:xfrm>
-        </p:spPr>
-        <p:txBody>
-          <a:bodyPr/>
-          <a:lstStyle/>
-          <a:p>
-            <a:r>
-              <a:rPr lang="it-IT" dirty="0"/>
-              <a:t>GREEN E-BOX</a:t>
+        <p:spPr/>
+        <p:txBody>
+          <a:bodyPr/>
+          <a:lstStyle/>
+          <a:p>
+            <a:r>
+              <a:rPr lang="it-IT" dirty="0"/>
+              <a:t>RESERVATION MANAGER SUB-COMPONENT</a:t>
             </a:r>
           </a:p>
         </p:txBody>
@@ -3676,108 +3713,15 @@
         </p:blipFill>
         <p:spPr>
           <a:xfrm>
-            <a:off x="457200" y="1219760"/>
-            <a:ext cx="4796151" cy="3052884"/>
-          </a:xfrm>
-        </p:spPr>
-      </p:pic>
-      <p:pic>
-        <p:nvPicPr>
-          <p:cNvPr id="5" name="Immagine 4"/>
-          <p:cNvPicPr>
-            <a:picLocks noChangeAspect="1"/>
-          </p:cNvPicPr>
-          <p:nvPr/>
-        </p:nvPicPr>
-        <p:blipFill>
-          <a:blip r:embed="rId3">
-            <a:extLst>
-              <a:ext uri="{28A0092B-C50C-407E-A947-70E740481C1C}">
-                <a14:useLocalDpi xmlns:a14="http://schemas.microsoft.com/office/drawing/2010/main" val="0"/>
-              </a:ext>
-            </a:extLst>
-          </a:blip>
-          <a:stretch>
-            <a:fillRect/>
-          </a:stretch>
-        </p:blipFill>
-        <p:spPr>
-          <a:xfrm>
-            <a:off x="6048537" y="126202"/>
-            <a:ext cx="5719449" cy="3917167"/>
-          </a:xfrm>
-          <a:prstGeom prst="rect">
-            <a:avLst/>
-          </a:prstGeom>
-        </p:spPr>
-      </p:pic>
-      <p:pic>
-        <p:nvPicPr>
-          <p:cNvPr id="6" name="Immagine 5"/>
-          <p:cNvPicPr>
-            <a:picLocks noChangeAspect="1"/>
-          </p:cNvPicPr>
-          <p:nvPr/>
-        </p:nvPicPr>
-        <p:blipFill>
-          <a:blip r:embed="rId4">
-            <a:extLst>
-              <a:ext uri="{28A0092B-C50C-407E-A947-70E740481C1C}">
-                <a14:useLocalDpi xmlns:a14="http://schemas.microsoft.com/office/drawing/2010/main" val="0"/>
-              </a:ext>
-            </a:extLst>
-          </a:blip>
-          <a:stretch>
-            <a:fillRect/>
-          </a:stretch>
-        </p:blipFill>
-        <p:spPr>
-          <a:xfrm>
-            <a:off x="5624525" y="4043369"/>
-            <a:ext cx="6567475" cy="2814631"/>
-          </a:xfrm>
-          <a:prstGeom prst="rect">
-            <a:avLst/>
-          </a:prstGeom>
-        </p:spPr>
-      </p:pic>
-      <p:pic>
-        <p:nvPicPr>
-          <p:cNvPr id="7" name="Immagine 6"/>
-          <p:cNvPicPr/>
-          <p:nvPr/>
-        </p:nvPicPr>
-        <p:blipFill>
-          <a:blip r:embed="rId5">
-            <a:extLst>
-              <a:ext uri="{28A0092B-C50C-407E-A947-70E740481C1C}">
-                <a14:useLocalDpi xmlns:a14="http://schemas.microsoft.com/office/drawing/2010/main" val="0"/>
-              </a:ext>
-            </a:extLst>
-          </a:blip>
-          <a:srcRect/>
-          <a:stretch>
-            <a:fillRect/>
-          </a:stretch>
-        </p:blipFill>
-        <p:spPr bwMode="auto">
-          <a:xfrm>
-            <a:off x="723900" y="4381501"/>
-            <a:ext cx="3594100" cy="2292032"/>
-          </a:xfrm>
-          <a:prstGeom prst="rect">
-            <a:avLst/>
-          </a:prstGeom>
-          <a:noFill/>
-          <a:ln>
-            <a:noFill/>
-          </a:ln>
+            <a:off x="2283655" y="1445975"/>
+            <a:ext cx="7624690" cy="5029620"/>
+          </a:xfrm>
         </p:spPr>
       </p:pic>
     </p:spTree>
     <p:extLst>
       <p:ext uri="{BB962C8B-B14F-4D97-AF65-F5344CB8AC3E}">
-        <p14:creationId xmlns:p14="http://schemas.microsoft.com/office/powerpoint/2010/main" val="3376279938"/>
+        <p14:creationId xmlns:p14="http://schemas.microsoft.com/office/powerpoint/2010/main" val="81082855"/>
       </p:ext>
     </p:extLst>
   </p:cSld>
@@ -3987,7 +3931,7 @@
       </p:grpSpPr>
       <p:sp>
         <p:nvSpPr>
-          <p:cNvPr id="4" name="Titolo 3"/>
+          <p:cNvPr id="2" name="Titolo 1"/>
           <p:cNvSpPr>
             <a:spLocks noGrp="1"/>
           </p:cNvSpPr>
@@ -3997,7 +3941,7 @@
         </p:nvSpPr>
         <p:spPr>
           <a:xfrm>
-            <a:off x="701040" y="2845435"/>
+            <a:off x="895672" y="56803"/>
             <a:ext cx="10515600" cy="1325563"/>
           </a:xfrm>
         </p:spPr>
@@ -4005,18 +3949,139 @@
           <a:bodyPr/>
           <a:lstStyle/>
           <a:p>
-            <a:pPr algn="ctr"/>
-            <a:r>
-              <a:rPr lang="it-IT" sz="8000" dirty="0"/>
-              <a:t>ITPD</a:t>
-            </a:r>
-          </a:p>
-        </p:txBody>
-      </p:sp>
+            <a:r>
+              <a:rPr lang="it-IT" dirty="0"/>
+              <a:t>GREEN E-BOX</a:t>
+            </a:r>
+          </a:p>
+        </p:txBody>
+      </p:sp>
+      <p:pic>
+        <p:nvPicPr>
+          <p:cNvPr id="4" name="Segnaposto contenuto 3"/>
+          <p:cNvPicPr>
+            <a:picLocks noGrp="1" noChangeAspect="1"/>
+          </p:cNvPicPr>
+          <p:nvPr>
+            <p:ph idx="1"/>
+          </p:nvPr>
+        </p:nvPicPr>
+        <p:blipFill>
+          <a:blip r:embed="rId2">
+            <a:extLst>
+              <a:ext uri="{28A0092B-C50C-407E-A947-70E740481C1C}">
+                <a14:useLocalDpi xmlns:a14="http://schemas.microsoft.com/office/drawing/2010/main" val="0"/>
+              </a:ext>
+            </a:extLst>
+          </a:blip>
+          <a:stretch>
+            <a:fillRect/>
+          </a:stretch>
+        </p:blipFill>
+        <p:spPr>
+          <a:xfrm>
+            <a:off x="457200" y="1219760"/>
+            <a:ext cx="4796151" cy="3052884"/>
+          </a:xfrm>
+        </p:spPr>
+      </p:pic>
+      <p:pic>
+        <p:nvPicPr>
+          <p:cNvPr id="5" name="Immagine 4"/>
+          <p:cNvPicPr>
+            <a:picLocks noChangeAspect="1"/>
+          </p:cNvPicPr>
+          <p:nvPr/>
+        </p:nvPicPr>
+        <p:blipFill>
+          <a:blip r:embed="rId3">
+            <a:extLst>
+              <a:ext uri="{28A0092B-C50C-407E-A947-70E740481C1C}">
+                <a14:useLocalDpi xmlns:a14="http://schemas.microsoft.com/office/drawing/2010/main" val="0"/>
+              </a:ext>
+            </a:extLst>
+          </a:blip>
+          <a:stretch>
+            <a:fillRect/>
+          </a:stretch>
+        </p:blipFill>
+        <p:spPr>
+          <a:xfrm>
+            <a:off x="6048537" y="126202"/>
+            <a:ext cx="5719449" cy="3917167"/>
+          </a:xfrm>
+          <a:prstGeom prst="rect">
+            <a:avLst/>
+          </a:prstGeom>
+        </p:spPr>
+      </p:pic>
+      <p:pic>
+        <p:nvPicPr>
+          <p:cNvPr id="6" name="Immagine 5"/>
+          <p:cNvPicPr>
+            <a:picLocks noChangeAspect="1"/>
+          </p:cNvPicPr>
+          <p:nvPr/>
+        </p:nvPicPr>
+        <p:blipFill>
+          <a:blip r:embed="rId4">
+            <a:extLst>
+              <a:ext uri="{28A0092B-C50C-407E-A947-70E740481C1C}">
+                <a14:useLocalDpi xmlns:a14="http://schemas.microsoft.com/office/drawing/2010/main" val="0"/>
+              </a:ext>
+            </a:extLst>
+          </a:blip>
+          <a:stretch>
+            <a:fillRect/>
+          </a:stretch>
+        </p:blipFill>
+        <p:spPr>
+          <a:xfrm>
+            <a:off x="5624525" y="4043369"/>
+            <a:ext cx="6567475" cy="2814631"/>
+          </a:xfrm>
+          <a:prstGeom prst="rect">
+            <a:avLst/>
+          </a:prstGeom>
+        </p:spPr>
+      </p:pic>
+      <p:pic>
+        <p:nvPicPr>
+          <p:cNvPr id="7" name="Immagine 6"/>
+          <p:cNvPicPr/>
+          <p:nvPr/>
+        </p:nvPicPr>
+        <p:blipFill>
+          <a:blip r:embed="rId5">
+            <a:extLst>
+              <a:ext uri="{28A0092B-C50C-407E-A947-70E740481C1C}">
+                <a14:useLocalDpi xmlns:a14="http://schemas.microsoft.com/office/drawing/2010/main" val="0"/>
+              </a:ext>
+            </a:extLst>
+          </a:blip>
+          <a:srcRect/>
+          <a:stretch>
+            <a:fillRect/>
+          </a:stretch>
+        </p:blipFill>
+        <p:spPr bwMode="auto">
+          <a:xfrm>
+            <a:off x="723900" y="4381501"/>
+            <a:ext cx="3594100" cy="2292032"/>
+          </a:xfrm>
+          <a:prstGeom prst="rect">
+            <a:avLst/>
+          </a:prstGeom>
+          <a:noFill/>
+          <a:ln>
+            <a:noFill/>
+          </a:ln>
+        </p:spPr>
+      </p:pic>
     </p:spTree>
     <p:extLst>
       <p:ext uri="{BB962C8B-B14F-4D97-AF65-F5344CB8AC3E}">
-        <p14:creationId xmlns:p14="http://schemas.microsoft.com/office/powerpoint/2010/main" val="2005397743"/>
+        <p14:creationId xmlns:p14="http://schemas.microsoft.com/office/powerpoint/2010/main" val="3376279938"/>
       </p:ext>
     </p:extLst>
   </p:cSld>
@@ -4043,38 +4108,9 @@
           <a:chExt cx="0" cy="0"/>
         </a:xfrm>
       </p:grpSpPr>
-      <p:pic>
-        <p:nvPicPr>
-          <p:cNvPr id="4" name="Segnaposto contenuto 3"/>
-          <p:cNvPicPr>
-            <a:picLocks noGrp="1" noChangeAspect="1"/>
-          </p:cNvPicPr>
-          <p:nvPr>
-            <p:ph idx="1"/>
-          </p:nvPr>
-        </p:nvPicPr>
-        <p:blipFill>
-          <a:blip r:embed="rId2">
-            <a:extLst>
-              <a:ext uri="{28A0092B-C50C-407E-A947-70E740481C1C}">
-                <a14:useLocalDpi xmlns:a14="http://schemas.microsoft.com/office/drawing/2010/main" val="0"/>
-              </a:ext>
-            </a:extLst>
-          </a:blip>
-          <a:stretch>
-            <a:fillRect/>
-          </a:stretch>
-        </p:blipFill>
-        <p:spPr>
-          <a:xfrm>
-            <a:off x="2963119" y="1122773"/>
-            <a:ext cx="6122344" cy="5625268"/>
-          </a:xfrm>
-        </p:spPr>
-      </p:pic>
-      <p:sp>
-        <p:nvSpPr>
-          <p:cNvPr id="2" name="Titolo 1"/>
+      <p:sp>
+        <p:nvSpPr>
+          <p:cNvPr id="4" name="Titolo 3"/>
           <p:cNvSpPr>
             <a:spLocks noGrp="1"/>
           </p:cNvSpPr>
@@ -4084,7 +4120,7 @@
         </p:nvSpPr>
         <p:spPr>
           <a:xfrm>
-            <a:off x="766491" y="0"/>
+            <a:off x="701040" y="2845435"/>
             <a:ext cx="10515600" cy="1325563"/>
           </a:xfrm>
         </p:spPr>
@@ -4092,9 +4128,10 @@
           <a:bodyPr/>
           <a:lstStyle/>
           <a:p>
-            <a:r>
-              <a:rPr lang="it-IT" dirty="0"/>
-              <a:t>HIGH LEVEL COMPONENT INTEGRATION</a:t>
+            <a:pPr algn="ctr"/>
+            <a:r>
+              <a:rPr lang="it-IT" sz="8000" dirty="0"/>
+              <a:t>ITPD</a:t>
             </a:r>
           </a:p>
         </p:txBody>
@@ -4102,7 +4139,7 @@
     </p:spTree>
     <p:extLst>
       <p:ext uri="{BB962C8B-B14F-4D97-AF65-F5344CB8AC3E}">
-        <p14:creationId xmlns:p14="http://schemas.microsoft.com/office/powerpoint/2010/main" val="3540000378"/>
+        <p14:creationId xmlns:p14="http://schemas.microsoft.com/office/powerpoint/2010/main" val="2005397743"/>
       </p:ext>
     </p:extLst>
   </p:cSld>
@@ -4187,35 +4224,15 @@
           <a:chExt cx="0" cy="0"/>
         </a:xfrm>
       </p:grpSpPr>
-      <p:sp>
-        <p:nvSpPr>
-          <p:cNvPr id="2" name="Titolo 1"/>
-          <p:cNvSpPr>
-            <a:spLocks noGrp="1"/>
-          </p:cNvSpPr>
-          <p:nvPr>
-            <p:ph type="title"/>
-          </p:nvPr>
-        </p:nvSpPr>
-        <p:spPr/>
-        <p:txBody>
-          <a:bodyPr/>
-          <a:lstStyle/>
-          <a:p>
-            <a:r>
-              <a:rPr lang="it-IT" dirty="0"/>
-              <a:t>MAIN INTEGRATION SEQUENCES</a:t>
-            </a:r>
-          </a:p>
-        </p:txBody>
-      </p:sp>
       <p:pic>
         <p:nvPicPr>
-          <p:cNvPr id="6" name="Immagine 5"/>
+          <p:cNvPr id="4" name="Segnaposto contenuto 3"/>
           <p:cNvPicPr>
-            <a:picLocks noChangeAspect="1"/>
+            <a:picLocks noGrp="1" noChangeAspect="1"/>
           </p:cNvPicPr>
-          <p:nvPr/>
+          <p:nvPr>
+            <p:ph idx="1"/>
+          </p:nvPr>
         </p:nvPicPr>
         <p:blipFill>
           <a:blip r:embed="rId2">
@@ -4231,108 +4248,42 @@
         </p:blipFill>
         <p:spPr>
           <a:xfrm>
-            <a:off x="7629606" y="1898790"/>
-            <a:ext cx="3245643" cy="1554689"/>
-          </a:xfrm>
-          <a:prstGeom prst="rect">
-            <a:avLst/>
-          </a:prstGeom>
+            <a:off x="2963119" y="1122773"/>
+            <a:ext cx="6122344" cy="5625268"/>
+          </a:xfrm>
         </p:spPr>
       </p:pic>
-      <p:pic>
-        <p:nvPicPr>
-          <p:cNvPr id="8" name="Immagine 7"/>
-          <p:cNvPicPr>
-            <a:picLocks noChangeAspect="1"/>
-          </p:cNvPicPr>
-          <p:nvPr/>
-        </p:nvPicPr>
-        <p:blipFill>
-          <a:blip r:embed="rId3">
-            <a:extLst>
-              <a:ext uri="{28A0092B-C50C-407E-A947-70E740481C1C}">
-                <a14:useLocalDpi xmlns:a14="http://schemas.microsoft.com/office/drawing/2010/main" val="0"/>
-              </a:ext>
-            </a:extLst>
-          </a:blip>
-          <a:stretch>
-            <a:fillRect/>
-          </a:stretch>
-        </p:blipFill>
-        <p:spPr>
-          <a:xfrm>
-            <a:off x="-11289" y="2467846"/>
-            <a:ext cx="3180122" cy="2710272"/>
-          </a:xfrm>
-          <a:prstGeom prst="rect">
-            <a:avLst/>
-          </a:prstGeom>
-        </p:spPr>
-      </p:pic>
-      <p:pic>
-        <p:nvPicPr>
-          <p:cNvPr id="9" name="Immagine 8"/>
-          <p:cNvPicPr>
-            <a:picLocks noChangeAspect="1"/>
-          </p:cNvPicPr>
-          <p:nvPr/>
-        </p:nvPicPr>
-        <p:blipFill>
-          <a:blip r:embed="rId4">
-            <a:extLst>
-              <a:ext uri="{28A0092B-C50C-407E-A947-70E740481C1C}">
-                <a14:useLocalDpi xmlns:a14="http://schemas.microsoft.com/office/drawing/2010/main" val="0"/>
-              </a:ext>
-            </a:extLst>
-          </a:blip>
-          <a:stretch>
-            <a:fillRect/>
-          </a:stretch>
-        </p:blipFill>
-        <p:spPr>
-          <a:xfrm>
-            <a:off x="7721578" y="4120994"/>
-            <a:ext cx="3061701" cy="1675644"/>
-          </a:xfrm>
-          <a:prstGeom prst="rect">
-            <a:avLst/>
-          </a:prstGeom>
-        </p:spPr>
-      </p:pic>
-      <p:pic>
-        <p:nvPicPr>
-          <p:cNvPr id="10" name="Immagine 9"/>
-          <p:cNvPicPr>
-            <a:picLocks noChangeAspect="1"/>
-          </p:cNvPicPr>
-          <p:nvPr/>
-        </p:nvPicPr>
-        <p:blipFill>
-          <a:blip r:embed="rId5">
-            <a:extLst>
-              <a:ext uri="{28A0092B-C50C-407E-A947-70E740481C1C}">
-                <a14:useLocalDpi xmlns:a14="http://schemas.microsoft.com/office/drawing/2010/main" val="0"/>
-              </a:ext>
-            </a:extLst>
-          </a:blip>
-          <a:stretch>
-            <a:fillRect/>
-          </a:stretch>
-        </p:blipFill>
-        <p:spPr>
-          <a:xfrm>
-            <a:off x="3732359" y="2118856"/>
-            <a:ext cx="3041798" cy="3408252"/>
-          </a:xfrm>
-          <a:prstGeom prst="rect">
-            <a:avLst/>
-          </a:prstGeom>
-        </p:spPr>
-      </p:pic>
+      <p:sp>
+        <p:nvSpPr>
+          <p:cNvPr id="2" name="Titolo 1"/>
+          <p:cNvSpPr>
+            <a:spLocks noGrp="1"/>
+          </p:cNvSpPr>
+          <p:nvPr>
+            <p:ph type="title"/>
+          </p:nvPr>
+        </p:nvSpPr>
+        <p:spPr>
+          <a:xfrm>
+            <a:off x="766491" y="0"/>
+            <a:ext cx="10515600" cy="1325563"/>
+          </a:xfrm>
+        </p:spPr>
+        <p:txBody>
+          <a:bodyPr/>
+          <a:lstStyle/>
+          <a:p>
+            <a:r>
+              <a:rPr lang="it-IT" dirty="0"/>
+              <a:t>HIGH LEVEL COMPONENT INTEGRATION</a:t>
+            </a:r>
+          </a:p>
+        </p:txBody>
+      </p:sp>
     </p:spTree>
     <p:extLst>
       <p:ext uri="{BB962C8B-B14F-4D97-AF65-F5344CB8AC3E}">
-        <p14:creationId xmlns:p14="http://schemas.microsoft.com/office/powerpoint/2010/main" val="1150037827"/>
+        <p14:creationId xmlns:p14="http://schemas.microsoft.com/office/powerpoint/2010/main" val="3540000378"/>
       </p:ext>
     </p:extLst>
   </p:cSld>
@@ -4369,32 +4320,25 @@
             <p:ph type="title"/>
           </p:nvPr>
         </p:nvSpPr>
-        <p:spPr>
-          <a:xfrm>
-            <a:off x="825189" y="-57150"/>
-            <a:ext cx="10515600" cy="1325563"/>
-          </a:xfrm>
-        </p:spPr>
-        <p:txBody>
-          <a:bodyPr/>
-          <a:lstStyle/>
-          <a:p>
-            <a:r>
-              <a:rPr lang="it-IT" dirty="0"/>
-              <a:t>CAR RESERVATION: INTEGRATION PLAN</a:t>
+        <p:spPr/>
+        <p:txBody>
+          <a:bodyPr/>
+          <a:lstStyle/>
+          <a:p>
+            <a:r>
+              <a:rPr lang="it-IT" dirty="0"/>
+              <a:t>MAIN INTEGRATION SEQUENCES</a:t>
             </a:r>
           </a:p>
         </p:txBody>
       </p:sp>
       <p:pic>
         <p:nvPicPr>
-          <p:cNvPr id="4" name="Segnaposto contenuto 3"/>
+          <p:cNvPr id="6" name="Immagine 5"/>
           <p:cNvPicPr>
-            <a:picLocks noGrp="1" noChangeAspect="1"/>
+            <a:picLocks noChangeAspect="1"/>
           </p:cNvPicPr>
-          <p:nvPr>
-            <p:ph idx="1"/>
-          </p:nvPr>
+          <p:nvPr/>
         </p:nvPicPr>
         <p:blipFill>
           <a:blip r:embed="rId2">
@@ -4410,14 +4354,17 @@
         </p:blipFill>
         <p:spPr>
           <a:xfrm>
-            <a:off x="3489983" y="1168560"/>
-            <a:ext cx="5186012" cy="4351338"/>
-          </a:xfrm>
+            <a:off x="7629606" y="1898790"/>
+            <a:ext cx="3245643" cy="1554689"/>
+          </a:xfrm>
+          <a:prstGeom prst="rect">
+            <a:avLst/>
+          </a:prstGeom>
         </p:spPr>
       </p:pic>
       <p:pic>
         <p:nvPicPr>
-          <p:cNvPr id="5" name="Immagine 4"/>
+          <p:cNvPr id="8" name="Immagine 7"/>
           <p:cNvPicPr>
             <a:picLocks noChangeAspect="1"/>
           </p:cNvPicPr>
@@ -4437,8 +4384,68 @@
         </p:blipFill>
         <p:spPr>
           <a:xfrm>
-            <a:off x="3259926" y="5624070"/>
-            <a:ext cx="5646126" cy="1127972"/>
+            <a:off x="-11289" y="2467846"/>
+            <a:ext cx="3180122" cy="2710272"/>
+          </a:xfrm>
+          <a:prstGeom prst="rect">
+            <a:avLst/>
+          </a:prstGeom>
+        </p:spPr>
+      </p:pic>
+      <p:pic>
+        <p:nvPicPr>
+          <p:cNvPr id="9" name="Immagine 8"/>
+          <p:cNvPicPr>
+            <a:picLocks noChangeAspect="1"/>
+          </p:cNvPicPr>
+          <p:nvPr/>
+        </p:nvPicPr>
+        <p:blipFill>
+          <a:blip r:embed="rId4">
+            <a:extLst>
+              <a:ext uri="{28A0092B-C50C-407E-A947-70E740481C1C}">
+                <a14:useLocalDpi xmlns:a14="http://schemas.microsoft.com/office/drawing/2010/main" val="0"/>
+              </a:ext>
+            </a:extLst>
+          </a:blip>
+          <a:stretch>
+            <a:fillRect/>
+          </a:stretch>
+        </p:blipFill>
+        <p:spPr>
+          <a:xfrm>
+            <a:off x="7721578" y="4120994"/>
+            <a:ext cx="3061701" cy="1675644"/>
+          </a:xfrm>
+          <a:prstGeom prst="rect">
+            <a:avLst/>
+          </a:prstGeom>
+        </p:spPr>
+      </p:pic>
+      <p:pic>
+        <p:nvPicPr>
+          <p:cNvPr id="10" name="Immagine 9"/>
+          <p:cNvPicPr>
+            <a:picLocks noChangeAspect="1"/>
+          </p:cNvPicPr>
+          <p:nvPr/>
+        </p:nvPicPr>
+        <p:blipFill>
+          <a:blip r:embed="rId5">
+            <a:extLst>
+              <a:ext uri="{28A0092B-C50C-407E-A947-70E740481C1C}">
+                <a14:useLocalDpi xmlns:a14="http://schemas.microsoft.com/office/drawing/2010/main" val="0"/>
+              </a:ext>
+            </a:extLst>
+          </a:blip>
+          <a:stretch>
+            <a:fillRect/>
+          </a:stretch>
+        </p:blipFill>
+        <p:spPr>
+          <a:xfrm>
+            <a:off x="3732359" y="2118856"/>
+            <a:ext cx="3041798" cy="3408252"/>
           </a:xfrm>
           <a:prstGeom prst="rect">
             <a:avLst/>
@@ -4448,7 +4455,7 @@
     </p:spTree>
     <p:extLst>
       <p:ext uri="{BB962C8B-B14F-4D97-AF65-F5344CB8AC3E}">
-        <p14:creationId xmlns:p14="http://schemas.microsoft.com/office/powerpoint/2010/main" val="2900800567"/>
+        <p14:creationId xmlns:p14="http://schemas.microsoft.com/office/powerpoint/2010/main" val="1150037827"/>
       </p:ext>
     </p:extLst>
   </p:cSld>
@@ -4477,7 +4484,7 @@
       </p:grpSpPr>
       <p:sp>
         <p:nvSpPr>
-          <p:cNvPr id="4" name="Titolo 3"/>
+          <p:cNvPr id="2" name="Titolo 1"/>
           <p:cNvSpPr>
             <a:spLocks noGrp="1"/>
           </p:cNvSpPr>
@@ -4487,7 +4494,7 @@
         </p:nvSpPr>
         <p:spPr>
           <a:xfrm>
-            <a:off x="839788" y="103187"/>
+            <a:off x="825189" y="-57150"/>
             <a:ext cx="10515600" cy="1325563"/>
           </a:xfrm>
         </p:spPr>
@@ -4497,265 +4504,74 @@
           <a:p>
             <a:r>
               <a:rPr lang="it-IT" dirty="0"/>
-              <a:t>DRIVERS, STUBS AND DATA</a:t>
-            </a:r>
-          </a:p>
-        </p:txBody>
-      </p:sp>
-      <p:sp>
-        <p:nvSpPr>
-          <p:cNvPr id="6" name="Segnaposto contenuto 5"/>
-          <p:cNvSpPr>
-            <a:spLocks noGrp="1"/>
-          </p:cNvSpPr>
-          <p:nvPr>
-            <p:ph sz="half" idx="2"/>
-          </p:nvPr>
-        </p:nvSpPr>
-        <p:spPr>
-          <a:xfrm>
-            <a:off x="839788" y="1428750"/>
-            <a:ext cx="5157787" cy="5200650"/>
-          </a:xfrm>
-        </p:spPr>
-        <p:txBody>
-          <a:bodyPr>
-            <a:normAutofit fontScale="92500" lnSpcReduction="10000"/>
-          </a:bodyPr>
-          <a:lstStyle/>
-          <a:p>
-            <a:r>
-              <a:rPr lang="it-IT" sz="2600" b="1" dirty="0" err="1"/>
-              <a:t>Stubs</a:t>
-            </a:r>
-            <a:endParaRPr lang="it-IT" sz="2600" b="1" dirty="0"/>
-          </a:p>
-          <a:p>
-            <a:pPr lvl="1"/>
-            <a:r>
-              <a:rPr lang="it-IT" sz="2600" dirty="0"/>
-              <a:t>Account Manager</a:t>
-            </a:r>
-          </a:p>
-          <a:p>
-            <a:pPr lvl="1"/>
-            <a:r>
-              <a:rPr lang="it-IT" sz="2600" dirty="0" err="1"/>
-              <a:t>Reservation</a:t>
-            </a:r>
-            <a:r>
-              <a:rPr lang="it-IT" sz="2600" dirty="0"/>
-              <a:t> Manager</a:t>
-            </a:r>
-          </a:p>
-          <a:p>
-            <a:pPr lvl="1"/>
-            <a:r>
-              <a:rPr lang="it-IT" sz="2600" dirty="0"/>
-              <a:t>Ride Manager</a:t>
-            </a:r>
-          </a:p>
-          <a:p>
-            <a:pPr lvl="1"/>
-            <a:r>
-              <a:rPr lang="it-IT" sz="2600" dirty="0"/>
-              <a:t>Car Manager</a:t>
-            </a:r>
-          </a:p>
-          <a:p>
-            <a:pPr lvl="1"/>
-            <a:r>
-              <a:rPr lang="it-IT" sz="2600" dirty="0"/>
-              <a:t>Area Manager</a:t>
-            </a:r>
-          </a:p>
-          <a:p>
-            <a:pPr lvl="1"/>
-            <a:r>
-              <a:rPr lang="it-IT" sz="2600" dirty="0" err="1"/>
-              <a:t>Payment</a:t>
-            </a:r>
-            <a:r>
-              <a:rPr lang="it-IT" sz="2600" dirty="0"/>
-              <a:t> Manager</a:t>
-            </a:r>
-          </a:p>
-          <a:p>
-            <a:pPr lvl="1"/>
-            <a:r>
-              <a:rPr lang="it-IT" sz="2600" dirty="0"/>
-              <a:t>Car (Green e-box)</a:t>
-            </a:r>
-          </a:p>
-          <a:p>
-            <a:r>
-              <a:rPr lang="it-IT" sz="2600" b="1" dirty="0"/>
-              <a:t>Drivers</a:t>
-            </a:r>
-          </a:p>
-          <a:p>
-            <a:pPr lvl="1"/>
-            <a:r>
-              <a:rPr lang="it-IT" sz="2600" dirty="0"/>
-              <a:t>Client</a:t>
-            </a:r>
-          </a:p>
-          <a:p>
-            <a:pPr lvl="1"/>
-            <a:r>
-              <a:rPr lang="it-IT" sz="2600" dirty="0"/>
-              <a:t>Car</a:t>
-            </a:r>
-          </a:p>
-          <a:p>
-            <a:pPr lvl="1"/>
-            <a:r>
-              <a:rPr lang="it-IT" sz="2600" dirty="0" err="1"/>
-              <a:t>Request</a:t>
-            </a:r>
-            <a:r>
-              <a:rPr lang="it-IT" sz="2600" dirty="0"/>
-              <a:t> Manager</a:t>
-            </a:r>
-          </a:p>
-          <a:p>
-            <a:pPr lvl="1"/>
-            <a:r>
-              <a:rPr lang="it-IT" sz="2600" dirty="0"/>
-              <a:t>Ride Manager</a:t>
-            </a:r>
-          </a:p>
-          <a:p>
-            <a:pPr lvl="1"/>
-            <a:r>
-              <a:rPr lang="it-IT" sz="2600" dirty="0" err="1"/>
-              <a:t>Reservation</a:t>
-            </a:r>
-            <a:r>
-              <a:rPr lang="it-IT" sz="2600" dirty="0"/>
-              <a:t> Manager</a:t>
-            </a:r>
-          </a:p>
-          <a:p>
-            <a:endParaRPr lang="it-IT" dirty="0"/>
-          </a:p>
-        </p:txBody>
-      </p:sp>
-      <p:sp>
-        <p:nvSpPr>
-          <p:cNvPr id="8" name="Segnaposto contenuto 7"/>
-          <p:cNvSpPr>
-            <a:spLocks noGrp="1"/>
-          </p:cNvSpPr>
-          <p:nvPr>
-            <p:ph sz="quarter" idx="4"/>
-          </p:nvPr>
-        </p:nvSpPr>
-        <p:spPr>
-          <a:xfrm>
-            <a:off x="5997575" y="1339215"/>
-            <a:ext cx="5183188" cy="3684588"/>
-          </a:xfrm>
-        </p:spPr>
-        <p:txBody>
-          <a:bodyPr>
-            <a:normAutofit/>
-          </a:bodyPr>
-          <a:lstStyle/>
-          <a:p>
-            <a:r>
-              <a:rPr lang="it-IT" sz="2400" b="1" dirty="0"/>
-              <a:t>Data</a:t>
-            </a:r>
-          </a:p>
-          <a:p>
-            <a:pPr lvl="1"/>
-            <a:r>
-              <a:rPr lang="it-IT" dirty="0"/>
-              <a:t>Some </a:t>
-            </a:r>
-            <a:r>
-              <a:rPr lang="it-IT" dirty="0" err="1"/>
-              <a:t>registered</a:t>
-            </a:r>
-            <a:r>
-              <a:rPr lang="it-IT" dirty="0"/>
-              <a:t> </a:t>
-            </a:r>
-            <a:r>
-              <a:rPr lang="it-IT" dirty="0" err="1"/>
-              <a:t>user</a:t>
-            </a:r>
-            <a:r>
-              <a:rPr lang="it-IT" dirty="0"/>
-              <a:t> data</a:t>
-            </a:r>
-          </a:p>
-          <a:p>
-            <a:pPr lvl="1"/>
-            <a:r>
-              <a:rPr lang="it-IT" dirty="0"/>
-              <a:t>A set of </a:t>
-            </a:r>
-            <a:r>
-              <a:rPr lang="it-IT" dirty="0" err="1"/>
-              <a:t>reservations</a:t>
-            </a:r>
-            <a:r>
-              <a:rPr lang="it-IT" dirty="0"/>
-              <a:t> for the </a:t>
-            </a:r>
-            <a:r>
-              <a:rPr lang="it-IT" dirty="0" err="1"/>
-              <a:t>cars</a:t>
-            </a:r>
-            <a:endParaRPr lang="it-IT" dirty="0"/>
-          </a:p>
-          <a:p>
-            <a:pPr lvl="1"/>
-            <a:r>
-              <a:rPr lang="it-IT" dirty="0"/>
-              <a:t>A set of </a:t>
-            </a:r>
-            <a:r>
-              <a:rPr lang="it-IT" dirty="0" err="1"/>
-              <a:t>cars</a:t>
-            </a:r>
-            <a:endParaRPr lang="it-IT" dirty="0"/>
-          </a:p>
-          <a:p>
-            <a:pPr lvl="1"/>
-            <a:r>
-              <a:rPr lang="it-IT" dirty="0"/>
-              <a:t>A set of area </a:t>
-            </a:r>
-            <a:r>
-              <a:rPr lang="it-IT" dirty="0" err="1"/>
-              <a:t>zones</a:t>
-            </a:r>
-            <a:endParaRPr lang="it-IT" dirty="0"/>
-          </a:p>
-          <a:p>
-            <a:pPr lvl="1"/>
-            <a:r>
-              <a:rPr lang="it-IT" dirty="0"/>
-              <a:t>A set of </a:t>
-            </a:r>
-            <a:r>
-              <a:rPr lang="it-IT" dirty="0" err="1"/>
-              <a:t>rides</a:t>
-            </a:r>
-            <a:endParaRPr lang="it-IT" dirty="0"/>
-          </a:p>
-          <a:p>
-            <a:endParaRPr lang="it-IT" dirty="0"/>
-          </a:p>
-        </p:txBody>
-      </p:sp>
+              <a:t>CAR RESERVATION: INTEGRATION PLAN</a:t>
+            </a:r>
+          </a:p>
+        </p:txBody>
+      </p:sp>
+      <p:pic>
+        <p:nvPicPr>
+          <p:cNvPr id="4" name="Segnaposto contenuto 3"/>
+          <p:cNvPicPr>
+            <a:picLocks noGrp="1" noChangeAspect="1"/>
+          </p:cNvPicPr>
+          <p:nvPr>
+            <p:ph idx="1"/>
+          </p:nvPr>
+        </p:nvPicPr>
+        <p:blipFill>
+          <a:blip r:embed="rId2">
+            <a:extLst>
+              <a:ext uri="{28A0092B-C50C-407E-A947-70E740481C1C}">
+                <a14:useLocalDpi xmlns:a14="http://schemas.microsoft.com/office/drawing/2010/main" val="0"/>
+              </a:ext>
+            </a:extLst>
+          </a:blip>
+          <a:stretch>
+            <a:fillRect/>
+          </a:stretch>
+        </p:blipFill>
+        <p:spPr>
+          <a:xfrm>
+            <a:off x="3489983" y="1168560"/>
+            <a:ext cx="5186012" cy="4351338"/>
+          </a:xfrm>
+        </p:spPr>
+      </p:pic>
+      <p:pic>
+        <p:nvPicPr>
+          <p:cNvPr id="5" name="Immagine 4"/>
+          <p:cNvPicPr>
+            <a:picLocks noChangeAspect="1"/>
+          </p:cNvPicPr>
+          <p:nvPr/>
+        </p:nvPicPr>
+        <p:blipFill>
+          <a:blip r:embed="rId3">
+            <a:extLst>
+              <a:ext uri="{28A0092B-C50C-407E-A947-70E740481C1C}">
+                <a14:useLocalDpi xmlns:a14="http://schemas.microsoft.com/office/drawing/2010/main" val="0"/>
+              </a:ext>
+            </a:extLst>
+          </a:blip>
+          <a:stretch>
+            <a:fillRect/>
+          </a:stretch>
+        </p:blipFill>
+        <p:spPr>
+          <a:xfrm>
+            <a:off x="3259926" y="5624070"/>
+            <a:ext cx="5646126" cy="1127972"/>
+          </a:xfrm>
+          <a:prstGeom prst="rect">
+            <a:avLst/>
+          </a:prstGeom>
+        </p:spPr>
+      </p:pic>
     </p:spTree>
     <p:extLst>
       <p:ext uri="{BB962C8B-B14F-4D97-AF65-F5344CB8AC3E}">
-        <p14:creationId xmlns:p14="http://schemas.microsoft.com/office/powerpoint/2010/main" val="424826251"/>
+        <p14:creationId xmlns:p14="http://schemas.microsoft.com/office/powerpoint/2010/main" val="2900800567"/>
       </p:ext>
     </p:extLst>
   </p:cSld>
@@ -4794,7 +4610,7 @@
         </p:nvSpPr>
         <p:spPr>
           <a:xfrm>
-            <a:off x="701040" y="2845435"/>
+            <a:off x="839788" y="103187"/>
             <a:ext cx="10515600" cy="1325563"/>
           </a:xfrm>
         </p:spPr>
@@ -4802,18 +4618,267 @@
           <a:bodyPr/>
           <a:lstStyle/>
           <a:p>
-            <a:pPr algn="ctr"/>
-            <a:r>
-              <a:rPr lang="it-IT" sz="8000" dirty="0"/>
-              <a:t>PP</a:t>
-            </a:r>
+            <a:r>
+              <a:rPr lang="it-IT" dirty="0"/>
+              <a:t>DRIVERS, STUBS AND DATA</a:t>
+            </a:r>
+          </a:p>
+        </p:txBody>
+      </p:sp>
+      <p:sp>
+        <p:nvSpPr>
+          <p:cNvPr id="6" name="Segnaposto contenuto 5"/>
+          <p:cNvSpPr>
+            <a:spLocks noGrp="1"/>
+          </p:cNvSpPr>
+          <p:nvPr>
+            <p:ph sz="half" idx="2"/>
+          </p:nvPr>
+        </p:nvSpPr>
+        <p:spPr>
+          <a:xfrm>
+            <a:off x="839788" y="1428750"/>
+            <a:ext cx="5157787" cy="5200650"/>
+          </a:xfrm>
+        </p:spPr>
+        <p:txBody>
+          <a:bodyPr>
+            <a:normAutofit fontScale="92500" lnSpcReduction="10000"/>
+          </a:bodyPr>
+          <a:lstStyle/>
+          <a:p>
+            <a:r>
+              <a:rPr lang="it-IT" sz="2600" b="1" dirty="0" err="1"/>
+              <a:t>Stubs</a:t>
+            </a:r>
+            <a:endParaRPr lang="it-IT" sz="2600" b="1" dirty="0"/>
+          </a:p>
+          <a:p>
+            <a:pPr lvl="1"/>
+            <a:r>
+              <a:rPr lang="it-IT" sz="2600" dirty="0"/>
+              <a:t>Account Manager</a:t>
+            </a:r>
+          </a:p>
+          <a:p>
+            <a:pPr lvl="1"/>
+            <a:r>
+              <a:rPr lang="it-IT" sz="2600" dirty="0" err="1"/>
+              <a:t>Reservation</a:t>
+            </a:r>
+            <a:r>
+              <a:rPr lang="it-IT" sz="2600" dirty="0"/>
+              <a:t> Manager</a:t>
+            </a:r>
+          </a:p>
+          <a:p>
+            <a:pPr lvl="1"/>
+            <a:r>
+              <a:rPr lang="it-IT" sz="2600" dirty="0"/>
+              <a:t>Ride Manager</a:t>
+            </a:r>
+          </a:p>
+          <a:p>
+            <a:pPr lvl="1"/>
+            <a:r>
+              <a:rPr lang="it-IT" sz="2600" dirty="0"/>
+              <a:t>Car Manager</a:t>
+            </a:r>
+          </a:p>
+          <a:p>
+            <a:pPr lvl="1"/>
+            <a:r>
+              <a:rPr lang="it-IT" sz="2600" dirty="0"/>
+              <a:t>Area Manager</a:t>
+            </a:r>
+          </a:p>
+          <a:p>
+            <a:pPr lvl="1"/>
+            <a:r>
+              <a:rPr lang="it-IT" sz="2600" dirty="0" err="1"/>
+              <a:t>Payment</a:t>
+            </a:r>
+            <a:r>
+              <a:rPr lang="it-IT" sz="2600" dirty="0"/>
+              <a:t> Manager</a:t>
+            </a:r>
+          </a:p>
+          <a:p>
+            <a:pPr lvl="1"/>
+            <a:r>
+              <a:rPr lang="it-IT" sz="2600" dirty="0"/>
+              <a:t>Car (Green e-box)</a:t>
+            </a:r>
+          </a:p>
+          <a:p>
+            <a:r>
+              <a:rPr lang="it-IT" sz="2600" b="1" dirty="0"/>
+              <a:t>Drivers</a:t>
+            </a:r>
+          </a:p>
+          <a:p>
+            <a:pPr lvl="1"/>
+            <a:r>
+              <a:rPr lang="it-IT" sz="2600" dirty="0"/>
+              <a:t>Client</a:t>
+            </a:r>
+          </a:p>
+          <a:p>
+            <a:pPr lvl="1"/>
+            <a:r>
+              <a:rPr lang="it-IT" sz="2600" dirty="0"/>
+              <a:t>Car</a:t>
+            </a:r>
+          </a:p>
+          <a:p>
+            <a:pPr lvl="1"/>
+            <a:r>
+              <a:rPr lang="it-IT" sz="2600" dirty="0" err="1"/>
+              <a:t>Request</a:t>
+            </a:r>
+            <a:r>
+              <a:rPr lang="it-IT" sz="2600" dirty="0"/>
+              <a:t> Manager</a:t>
+            </a:r>
+          </a:p>
+          <a:p>
+            <a:pPr lvl="1"/>
+            <a:r>
+              <a:rPr lang="it-IT" sz="2600" dirty="0"/>
+              <a:t>Ride Manager</a:t>
+            </a:r>
+          </a:p>
+          <a:p>
+            <a:pPr lvl="1"/>
+            <a:r>
+              <a:rPr lang="it-IT" sz="2600" dirty="0" err="1"/>
+              <a:t>Reservation</a:t>
+            </a:r>
+            <a:r>
+              <a:rPr lang="it-IT" sz="2600" dirty="0"/>
+              <a:t> Manager</a:t>
+            </a:r>
+          </a:p>
+          <a:p>
+            <a:endParaRPr lang="it-IT" dirty="0"/>
+          </a:p>
+        </p:txBody>
+      </p:sp>
+      <p:sp>
+        <p:nvSpPr>
+          <p:cNvPr id="8" name="Segnaposto contenuto 7"/>
+          <p:cNvSpPr>
+            <a:spLocks noGrp="1"/>
+          </p:cNvSpPr>
+          <p:nvPr>
+            <p:ph sz="quarter" idx="4"/>
+          </p:nvPr>
+        </p:nvSpPr>
+        <p:spPr>
+          <a:xfrm>
+            <a:off x="5997575" y="1339215"/>
+            <a:ext cx="5183188" cy="3684588"/>
+          </a:xfrm>
+        </p:spPr>
+        <p:txBody>
+          <a:bodyPr>
+            <a:normAutofit/>
+          </a:bodyPr>
+          <a:lstStyle/>
+          <a:p>
+            <a:r>
+              <a:rPr lang="it-IT" sz="2400" b="1" dirty="0"/>
+              <a:t>Data</a:t>
+            </a:r>
+          </a:p>
+          <a:p>
+            <a:pPr lvl="1"/>
+            <a:r>
+              <a:rPr lang="it-IT" dirty="0"/>
+              <a:t>Some </a:t>
+            </a:r>
+            <a:r>
+              <a:rPr lang="it-IT" dirty="0" err="1"/>
+              <a:t>registered</a:t>
+            </a:r>
+            <a:r>
+              <a:rPr lang="it-IT" dirty="0"/>
+              <a:t> </a:t>
+            </a:r>
+            <a:r>
+              <a:rPr lang="it-IT" dirty="0" err="1"/>
+              <a:t>user</a:t>
+            </a:r>
+            <a:r>
+              <a:rPr lang="it-IT" dirty="0"/>
+              <a:t> data</a:t>
+            </a:r>
+          </a:p>
+          <a:p>
+            <a:pPr lvl="1"/>
+            <a:r>
+              <a:rPr lang="it-IT" dirty="0"/>
+              <a:t>A set of </a:t>
+            </a:r>
+            <a:r>
+              <a:rPr lang="it-IT" dirty="0" err="1"/>
+              <a:t>reservations</a:t>
+            </a:r>
+            <a:r>
+              <a:rPr lang="it-IT" dirty="0"/>
+              <a:t> for the </a:t>
+            </a:r>
+            <a:r>
+              <a:rPr lang="it-IT" dirty="0" err="1"/>
+              <a:t>cars</a:t>
+            </a:r>
+            <a:endParaRPr lang="it-IT" dirty="0"/>
+          </a:p>
+          <a:p>
+            <a:pPr lvl="1"/>
+            <a:r>
+              <a:rPr lang="it-IT" dirty="0"/>
+              <a:t>A set of </a:t>
+            </a:r>
+            <a:r>
+              <a:rPr lang="it-IT" dirty="0" err="1"/>
+              <a:t>cars</a:t>
+            </a:r>
+            <a:endParaRPr lang="it-IT" dirty="0"/>
+          </a:p>
+          <a:p>
+            <a:pPr lvl="1"/>
+            <a:r>
+              <a:rPr lang="it-IT" dirty="0"/>
+              <a:t>A set of area </a:t>
+            </a:r>
+            <a:r>
+              <a:rPr lang="it-IT" dirty="0" err="1"/>
+              <a:t>zones</a:t>
+            </a:r>
+            <a:endParaRPr lang="it-IT" dirty="0"/>
+          </a:p>
+          <a:p>
+            <a:pPr lvl="1"/>
+            <a:r>
+              <a:rPr lang="it-IT" dirty="0"/>
+              <a:t>A set of </a:t>
+            </a:r>
+            <a:r>
+              <a:rPr lang="it-IT" dirty="0" err="1"/>
+              <a:t>rides</a:t>
+            </a:r>
+            <a:endParaRPr lang="it-IT" dirty="0"/>
+          </a:p>
+          <a:p>
+            <a:endParaRPr lang="it-IT" dirty="0"/>
           </a:p>
         </p:txBody>
       </p:sp>
     </p:spTree>
     <p:extLst>
       <p:ext uri="{BB962C8B-B14F-4D97-AF65-F5344CB8AC3E}">
-        <p14:creationId xmlns:p14="http://schemas.microsoft.com/office/powerpoint/2010/main" val="717195138"/>
+        <p14:creationId xmlns:p14="http://schemas.microsoft.com/office/powerpoint/2010/main" val="424826251"/>
       </p:ext>
     </p:extLst>
   </p:cSld>
@@ -4842,7 +4907,7 @@
       </p:grpSpPr>
       <p:sp>
         <p:nvSpPr>
-          <p:cNvPr id="2" name="Titolo 1"/>
+          <p:cNvPr id="4" name="Titolo 3"/>
           <p:cNvSpPr>
             <a:spLocks noGrp="1"/>
           </p:cNvSpPr>
@@ -4850,81 +4915,28 @@
             <p:ph type="title"/>
           </p:nvPr>
         </p:nvSpPr>
-        <p:spPr/>
-        <p:txBody>
-          <a:bodyPr/>
-          <a:lstStyle/>
-          <a:p>
-            <a:r>
-              <a:rPr lang="it-IT" dirty="0"/>
-              <a:t>FUNCTION POINT ANALYSIS </a:t>
-            </a:r>
-          </a:p>
-        </p:txBody>
-      </p:sp>
-      <p:pic>
-        <p:nvPicPr>
-          <p:cNvPr id="4" name="Segnaposto contenuto 3"/>
-          <p:cNvPicPr>
-            <a:picLocks noGrp="1" noChangeAspect="1"/>
-          </p:cNvPicPr>
-          <p:nvPr>
-            <p:ph sz="half" idx="1"/>
-          </p:nvPr>
-        </p:nvPicPr>
-        <p:blipFill>
-          <a:blip r:embed="rId2">
-            <a:extLst>
-              <a:ext uri="{28A0092B-C50C-407E-A947-70E740481C1C}">
-                <a14:useLocalDpi xmlns:a14="http://schemas.microsoft.com/office/drawing/2010/main" val="0"/>
-              </a:ext>
-            </a:extLst>
-          </a:blip>
-          <a:stretch>
-            <a:fillRect/>
-          </a:stretch>
-        </p:blipFill>
-        <p:spPr>
-          <a:xfrm>
-            <a:off x="3971628" y="4999923"/>
-            <a:ext cx="4248743" cy="809738"/>
-          </a:xfrm>
-        </p:spPr>
-      </p:pic>
-      <p:pic>
-        <p:nvPicPr>
-          <p:cNvPr id="5" name="Immagine 4"/>
-          <p:cNvPicPr>
-            <a:picLocks noChangeAspect="1"/>
-          </p:cNvPicPr>
-          <p:nvPr/>
-        </p:nvPicPr>
-        <p:blipFill>
-          <a:blip r:embed="rId3">
-            <a:extLst>
-              <a:ext uri="{28A0092B-C50C-407E-A947-70E740481C1C}">
-                <a14:useLocalDpi xmlns:a14="http://schemas.microsoft.com/office/drawing/2010/main" val="0"/>
-              </a:ext>
-            </a:extLst>
-          </a:blip>
-          <a:stretch>
-            <a:fillRect/>
-          </a:stretch>
-        </p:blipFill>
-        <p:spPr>
-          <a:xfrm>
-            <a:off x="4395550" y="2062352"/>
-            <a:ext cx="3400900" cy="2067213"/>
-          </a:xfrm>
-          <a:prstGeom prst="rect">
-            <a:avLst/>
-          </a:prstGeom>
-        </p:spPr>
-      </p:pic>
+        <p:spPr>
+          <a:xfrm>
+            <a:off x="701040" y="2845435"/>
+            <a:ext cx="10515600" cy="1325563"/>
+          </a:xfrm>
+        </p:spPr>
+        <p:txBody>
+          <a:bodyPr/>
+          <a:lstStyle/>
+          <a:p>
+            <a:pPr algn="ctr"/>
+            <a:r>
+              <a:rPr lang="it-IT" sz="8000" dirty="0"/>
+              <a:t>PP</a:t>
+            </a:r>
+          </a:p>
+        </p:txBody>
+      </p:sp>
     </p:spTree>
     <p:extLst>
       <p:ext uri="{BB962C8B-B14F-4D97-AF65-F5344CB8AC3E}">
-        <p14:creationId xmlns:p14="http://schemas.microsoft.com/office/powerpoint/2010/main" val="3631090697"/>
+        <p14:creationId xmlns:p14="http://schemas.microsoft.com/office/powerpoint/2010/main" val="717195138"/>
       </p:ext>
     </p:extLst>
   </p:cSld>
@@ -4968,7 +4980,7 @@
           <a:p>
             <a:r>
               <a:rPr lang="it-IT" dirty="0"/>
-              <a:t>COCOMO II ANALISYS</a:t>
+              <a:t>FUNCTION POINT ANALYSIS </a:t>
             </a:r>
           </a:p>
         </p:txBody>
@@ -4980,7 +4992,7 @@
             <a:picLocks noGrp="1" noChangeAspect="1"/>
           </p:cNvPicPr>
           <p:nvPr>
-            <p:ph idx="1"/>
+            <p:ph sz="half" idx="1"/>
           </p:nvPr>
         </p:nvPicPr>
         <p:blipFill>
@@ -4997,8 +5009,8 @@
         </p:blipFill>
         <p:spPr>
           <a:xfrm>
-            <a:off x="4857007" y="1690688"/>
-            <a:ext cx="2848373" cy="4258269"/>
+            <a:off x="3971628" y="4999923"/>
+            <a:ext cx="4248743" cy="809738"/>
           </a:xfrm>
         </p:spPr>
       </p:pic>
@@ -5024,93 +5036,18 @@
         </p:blipFill>
         <p:spPr>
           <a:xfrm>
-            <a:off x="1258284" y="3000558"/>
-            <a:ext cx="2819794" cy="1638529"/>
+            <a:off x="4395550" y="2062352"/>
+            <a:ext cx="3400900" cy="2067213"/>
           </a:xfrm>
           <a:prstGeom prst="rect">
             <a:avLst/>
           </a:prstGeom>
         </p:spPr>
       </p:pic>
-      <p:sp>
-        <p:nvSpPr>
-          <p:cNvPr id="6" name="CasellaDiTesto 5"/>
-          <p:cNvSpPr txBox="1"/>
-          <p:nvPr/>
-        </p:nvSpPr>
-        <p:spPr>
-          <a:xfrm>
-            <a:off x="8596893" y="3219658"/>
-            <a:ext cx="2951577" cy="1384995"/>
-          </a:xfrm>
-          <a:prstGeom prst="rect">
-            <a:avLst/>
-          </a:prstGeom>
-          <a:noFill/>
-        </p:spPr>
-        <p:txBody>
-          <a:bodyPr wrap="none" rtlCol="0">
-            <a:spAutoFit/>
-          </a:bodyPr>
-          <a:lstStyle/>
-          <a:p>
-            <a:r>
-              <a:rPr lang="it-IT" sz="2400" dirty="0" err="1"/>
-              <a:t>Effort</a:t>
-            </a:r>
-            <a:r>
-              <a:rPr lang="it-IT" sz="2400" dirty="0"/>
-              <a:t> </a:t>
-            </a:r>
-            <a:r>
-              <a:rPr lang="it-IT" sz="2400" dirty="0" err="1"/>
-              <a:t>estimation</a:t>
-            </a:r>
-            <a:r>
-              <a:rPr lang="it-IT" sz="2400" dirty="0"/>
-              <a:t>:</a:t>
-            </a:r>
-          </a:p>
-          <a:p>
-            <a:pPr lvl="1"/>
-            <a:r>
-              <a:rPr lang="it-IT" sz="2400" dirty="0" err="1"/>
-              <a:t>Effort</a:t>
-            </a:r>
-            <a:r>
-              <a:rPr lang="it-IT" sz="2400" baseline="-25000" dirty="0" err="1"/>
-              <a:t>L</a:t>
-            </a:r>
-            <a:r>
-              <a:rPr lang="it-IT" sz="2400" dirty="0"/>
-              <a:t> = 38,92 PM</a:t>
-            </a:r>
-          </a:p>
-          <a:p>
-            <a:pPr lvl="1"/>
-            <a:r>
-              <a:rPr lang="it-IT" sz="2400" dirty="0" err="1"/>
-              <a:t>Effort</a:t>
-            </a:r>
-            <a:r>
-              <a:rPr lang="it-IT" sz="2400" baseline="-25000" dirty="0" err="1"/>
-              <a:t>U</a:t>
-            </a:r>
-            <a:r>
-              <a:rPr lang="it-IT" sz="2400" dirty="0"/>
-              <a:t> = 58,15 PM</a:t>
-            </a:r>
-            <a:endParaRPr lang="it-IT" sz="2400" baseline="-25000" dirty="0"/>
-          </a:p>
-          <a:p>
-            <a:endParaRPr lang="it-IT" baseline="-25000" dirty="0"/>
-          </a:p>
-        </p:txBody>
-      </p:sp>
     </p:spTree>
     <p:extLst>
       <p:ext uri="{BB962C8B-B14F-4D97-AF65-F5344CB8AC3E}">
-        <p14:creationId xmlns:p14="http://schemas.microsoft.com/office/powerpoint/2010/main" val="2018304232"/>
+        <p14:creationId xmlns:p14="http://schemas.microsoft.com/office/powerpoint/2010/main" val="3631090697"/>
       </p:ext>
     </p:extLst>
   </p:cSld>
@@ -5139,7 +5076,7 @@
       </p:grpSpPr>
       <p:sp>
         <p:nvSpPr>
-          <p:cNvPr id="4" name="Titolo 3"/>
+          <p:cNvPr id="2" name="Titolo 1"/>
           <p:cNvSpPr>
             <a:spLocks noGrp="1"/>
           </p:cNvSpPr>
@@ -5154,440 +5091,149 @@
           <a:p>
             <a:r>
               <a:rPr lang="it-IT" dirty="0"/>
-              <a:t>SCHEDULE ESTIMATION</a:t>
-            </a:r>
-          </a:p>
-        </p:txBody>
-      </p:sp>
-      <p:sp>
-        <p:nvSpPr>
-          <p:cNvPr id="5" name="Segnaposto testo 4"/>
-          <p:cNvSpPr>
-            <a:spLocks noGrp="1"/>
-          </p:cNvSpPr>
-          <p:nvPr>
-            <p:ph type="body" idx="1"/>
-          </p:nvPr>
-        </p:nvSpPr>
-        <p:spPr>
-          <a:xfrm>
-            <a:off x="839789" y="1681163"/>
-            <a:ext cx="3083626" cy="823912"/>
-          </a:xfrm>
-        </p:spPr>
-        <p:txBody>
-          <a:bodyPr/>
-          <a:lstStyle/>
-          <a:p>
-            <a:r>
-              <a:rPr lang="it-IT" dirty="0"/>
-              <a:t>1: Estimate </a:t>
-            </a:r>
-            <a:r>
-              <a:rPr lang="it-IT" dirty="0" err="1"/>
-              <a:t>size</a:t>
-            </a:r>
-            <a:r>
-              <a:rPr lang="it-IT" dirty="0"/>
-              <a:t> and </a:t>
-            </a:r>
-            <a:r>
-              <a:rPr lang="it-IT" dirty="0" err="1"/>
-              <a:t>duration</a:t>
-            </a:r>
-            <a:r>
-              <a:rPr lang="it-IT" dirty="0"/>
-              <a:t> of the team</a:t>
-            </a:r>
-          </a:p>
-        </p:txBody>
-      </p:sp>
-      <p:sp>
-        <p:nvSpPr>
-          <p:cNvPr id="6" name="Segnaposto contenuto 5"/>
-          <p:cNvSpPr>
-            <a:spLocks noGrp="1"/>
-          </p:cNvSpPr>
-          <p:nvPr>
-            <p:ph sz="half" idx="2"/>
-          </p:nvPr>
-        </p:nvSpPr>
-        <p:spPr>
-          <a:xfrm>
-            <a:off x="839788" y="2505075"/>
-            <a:ext cx="3083627" cy="3684588"/>
-          </a:xfrm>
-        </p:spPr>
-        <p:txBody>
-          <a:bodyPr/>
-          <a:lstStyle/>
-          <a:p>
-            <a:endParaRPr lang="en-GB" sz="1800" i="1" dirty="0"/>
-          </a:p>
-          <a:p>
-            <a:r>
-              <a:rPr lang="en-GB" sz="2000" i="1" dirty="0"/>
-              <a:t>Duration</a:t>
-            </a:r>
-          </a:p>
-          <a:p>
-            <a:pPr marL="457200" lvl="1" indent="0">
-              <a:buNone/>
-            </a:pPr>
-            <a:r>
-              <a:rPr lang="en-GB" sz="1800" i="1" dirty="0" err="1"/>
-              <a:t>Duration</a:t>
-            </a:r>
-            <a:r>
-              <a:rPr lang="en-GB" sz="1800" i="1" baseline="-25000" dirty="0" err="1"/>
+              <a:t>COCOMO II ANALISYS</a:t>
+            </a:r>
+          </a:p>
+        </p:txBody>
+      </p:sp>
+      <p:pic>
+        <p:nvPicPr>
+          <p:cNvPr id="4" name="Segnaposto contenuto 3"/>
+          <p:cNvPicPr>
+            <a:picLocks noGrp="1" noChangeAspect="1"/>
+          </p:cNvPicPr>
+          <p:nvPr>
+            <p:ph idx="1"/>
+          </p:nvPr>
+        </p:nvPicPr>
+        <p:blipFill>
+          <a:blip r:embed="rId2">
+            <a:extLst>
+              <a:ext uri="{28A0092B-C50C-407E-A947-70E740481C1C}">
+                <a14:useLocalDpi xmlns:a14="http://schemas.microsoft.com/office/drawing/2010/main" val="0"/>
+              </a:ext>
+            </a:extLst>
+          </a:blip>
+          <a:stretch>
+            <a:fillRect/>
+          </a:stretch>
+        </p:blipFill>
+        <p:spPr>
+          <a:xfrm>
+            <a:off x="4857007" y="1690688"/>
+            <a:ext cx="2848373" cy="4258269"/>
+          </a:xfrm>
+        </p:spPr>
+      </p:pic>
+      <p:pic>
+        <p:nvPicPr>
+          <p:cNvPr id="5" name="Immagine 4"/>
+          <p:cNvPicPr>
+            <a:picLocks noChangeAspect="1"/>
+          </p:cNvPicPr>
+          <p:nvPr/>
+        </p:nvPicPr>
+        <p:blipFill>
+          <a:blip r:embed="rId3">
+            <a:extLst>
+              <a:ext uri="{28A0092B-C50C-407E-A947-70E740481C1C}">
+                <a14:useLocalDpi xmlns:a14="http://schemas.microsoft.com/office/drawing/2010/main" val="0"/>
+              </a:ext>
+            </a:extLst>
+          </a:blip>
+          <a:stretch>
+            <a:fillRect/>
+          </a:stretch>
+        </p:blipFill>
+        <p:spPr>
+          <a:xfrm>
+            <a:off x="1258284" y="3000558"/>
+            <a:ext cx="2819794" cy="1638529"/>
+          </a:xfrm>
+          <a:prstGeom prst="rect">
+            <a:avLst/>
+          </a:prstGeom>
+        </p:spPr>
+      </p:pic>
+      <p:sp>
+        <p:nvSpPr>
+          <p:cNvPr id="6" name="CasellaDiTesto 5"/>
+          <p:cNvSpPr txBox="1"/>
+          <p:nvPr/>
+        </p:nvSpPr>
+        <p:spPr>
+          <a:xfrm>
+            <a:off x="8596893" y="3219658"/>
+            <a:ext cx="2951577" cy="1384995"/>
+          </a:xfrm>
+          <a:prstGeom prst="rect">
+            <a:avLst/>
+          </a:prstGeom>
+          <a:noFill/>
+        </p:spPr>
+        <p:txBody>
+          <a:bodyPr wrap="none" rtlCol="0">
+            <a:spAutoFit/>
+          </a:bodyPr>
+          <a:lstStyle/>
+          <a:p>
+            <a:r>
+              <a:rPr lang="it-IT" sz="2400" dirty="0" err="1"/>
+              <a:t>Effort</a:t>
+            </a:r>
+            <a:r>
+              <a:rPr lang="it-IT" sz="2400" dirty="0"/>
+              <a:t> </a:t>
+            </a:r>
+            <a:r>
+              <a:rPr lang="it-IT" sz="2400" dirty="0" err="1"/>
+              <a:t>estimation</a:t>
+            </a:r>
+            <a:r>
+              <a:rPr lang="it-IT" sz="2400" dirty="0"/>
+              <a:t>:</a:t>
+            </a:r>
+          </a:p>
+          <a:p>
+            <a:pPr lvl="1"/>
+            <a:r>
+              <a:rPr lang="it-IT" sz="2400" dirty="0" err="1"/>
+              <a:t>Effort</a:t>
+            </a:r>
+            <a:r>
+              <a:rPr lang="it-IT" sz="2400" baseline="-25000" dirty="0" err="1"/>
               <a:t>L</a:t>
             </a:r>
             <a:r>
-              <a:rPr lang="en-GB" sz="1800" i="1" dirty="0"/>
-              <a:t> = 14.91 months</a:t>
-            </a:r>
-            <a:endParaRPr lang="it-IT" sz="1800" dirty="0"/>
-          </a:p>
-          <a:p>
-            <a:pPr marL="457200" lvl="1" indent="0">
-              <a:buNone/>
-            </a:pPr>
-            <a:r>
-              <a:rPr lang="en-GB" sz="1800" i="1" dirty="0" err="1"/>
-              <a:t>Duration</a:t>
-            </a:r>
-            <a:r>
-              <a:rPr lang="en-GB" sz="1800" i="1" baseline="-25000" dirty="0" err="1"/>
+              <a:rPr lang="it-IT" sz="2400" dirty="0"/>
+              <a:t> = 38,92 PM</a:t>
+            </a:r>
+          </a:p>
+          <a:p>
+            <a:pPr lvl="1"/>
+            <a:r>
+              <a:rPr lang="it-IT" sz="2400" dirty="0" err="1"/>
+              <a:t>Effort</a:t>
+            </a:r>
+            <a:r>
+              <a:rPr lang="it-IT" sz="2400" baseline="-25000" dirty="0" err="1"/>
               <a:t>U</a:t>
             </a:r>
             <a:r>
-              <a:rPr lang="en-GB" sz="1800" i="1" dirty="0"/>
-              <a:t> = 16.91 months</a:t>
-            </a:r>
-          </a:p>
-          <a:p>
-            <a:endParaRPr lang="en-GB" sz="1800" i="1" dirty="0"/>
-          </a:p>
-          <a:p>
-            <a:r>
-              <a:rPr lang="en-GB" sz="2000" i="1" dirty="0"/>
-              <a:t>Team size</a:t>
-            </a:r>
-            <a:endParaRPr lang="it-IT" sz="2000" dirty="0"/>
-          </a:p>
-          <a:p>
-            <a:pPr marL="457200" lvl="1" indent="0">
-              <a:buNone/>
-            </a:pPr>
-            <a:r>
-              <a:rPr lang="en-GB" sz="1800" i="1" dirty="0" err="1"/>
-              <a:t>N</a:t>
-            </a:r>
-            <a:r>
-              <a:rPr lang="en-GB" sz="1800" i="1" baseline="-25000" dirty="0" err="1"/>
-              <a:t>people</a:t>
-            </a:r>
-            <a:r>
-              <a:rPr lang="en-GB" sz="1800" i="1" baseline="-25000" dirty="0"/>
-              <a:t>-L</a:t>
-            </a:r>
-            <a:r>
-              <a:rPr lang="en-GB" sz="1800" i="1" dirty="0"/>
-              <a:t> = 2.61 ≈ 3</a:t>
-            </a:r>
-            <a:endParaRPr lang="it-IT" sz="1800" dirty="0"/>
-          </a:p>
-          <a:p>
-            <a:pPr marL="457200" lvl="1" indent="0">
-              <a:buNone/>
-            </a:pPr>
-            <a:r>
-              <a:rPr lang="en-GB" sz="1800" i="1" dirty="0" err="1"/>
-              <a:t>N</a:t>
-            </a:r>
-            <a:r>
-              <a:rPr lang="en-GB" sz="1800" i="1" baseline="-25000" dirty="0" err="1"/>
-              <a:t>people</a:t>
-            </a:r>
-            <a:r>
-              <a:rPr lang="en-GB" sz="1800" i="1" baseline="-25000" dirty="0"/>
-              <a:t>-U</a:t>
-            </a:r>
-            <a:r>
-              <a:rPr lang="en-GB" sz="1800" i="1" dirty="0"/>
-              <a:t> = 3.44 ≈ 4</a:t>
-            </a:r>
-            <a:endParaRPr lang="it-IT" sz="1800" dirty="0"/>
-          </a:p>
-          <a:p>
-            <a:endParaRPr lang="it-IT" dirty="0"/>
-          </a:p>
-        </p:txBody>
-      </p:sp>
-      <p:sp>
-        <p:nvSpPr>
-          <p:cNvPr id="9" name="Segnaposto testo 4"/>
-          <p:cNvSpPr>
-            <a:spLocks noGrp="1"/>
-          </p:cNvSpPr>
-          <p:nvPr>
-            <p:ph type="body" idx="1"/>
-          </p:nvPr>
-        </p:nvSpPr>
-        <p:spPr>
-          <a:xfrm>
-            <a:off x="4555774" y="1690688"/>
-            <a:ext cx="3083626" cy="823912"/>
-          </a:xfrm>
-        </p:spPr>
-        <p:txBody>
-          <a:bodyPr/>
-          <a:lstStyle/>
-          <a:p>
-            <a:r>
-              <a:rPr lang="it-IT" dirty="0"/>
-              <a:t>2: Estimate </a:t>
-            </a:r>
-            <a:r>
-              <a:rPr lang="it-IT" dirty="0" err="1"/>
-              <a:t>duration</a:t>
-            </a:r>
-            <a:r>
-              <a:rPr lang="it-IT" dirty="0"/>
-              <a:t> with 2 </a:t>
-            </a:r>
-            <a:r>
-              <a:rPr lang="it-IT" dirty="0" err="1"/>
-              <a:t>people</a:t>
-            </a:r>
-            <a:r>
-              <a:rPr lang="it-IT" dirty="0"/>
-              <a:t> team</a:t>
-            </a:r>
-          </a:p>
-        </p:txBody>
-      </p:sp>
-      <p:sp>
-        <p:nvSpPr>
-          <p:cNvPr id="10" name="Segnaposto contenuto 5"/>
-          <p:cNvSpPr>
-            <a:spLocks noGrp="1"/>
-          </p:cNvSpPr>
-          <p:nvPr>
-            <p:ph sz="half" idx="2"/>
-          </p:nvPr>
-        </p:nvSpPr>
-        <p:spPr>
-          <a:xfrm>
-            <a:off x="4555773" y="2514600"/>
-            <a:ext cx="3083627" cy="3684588"/>
-          </a:xfrm>
-        </p:spPr>
-        <p:txBody>
-          <a:bodyPr/>
-          <a:lstStyle/>
-          <a:p>
-            <a:endParaRPr lang="en-GB" sz="1800" i="1" dirty="0"/>
-          </a:p>
-          <a:p>
-            <a:r>
-              <a:rPr lang="en-GB" sz="2000" i="1" dirty="0"/>
-              <a:t>Duration</a:t>
-            </a:r>
-          </a:p>
-          <a:p>
-            <a:pPr marL="457200" lvl="1" indent="0">
-              <a:buNone/>
-            </a:pPr>
-            <a:r>
-              <a:rPr lang="en-GB" sz="1800" i="1" dirty="0" err="1"/>
-              <a:t>Duration</a:t>
-            </a:r>
-            <a:r>
-              <a:rPr lang="en-GB" sz="1800" i="1" baseline="-25000" dirty="0" err="1"/>
-              <a:t>L</a:t>
-            </a:r>
-            <a:r>
-              <a:rPr lang="en-GB" sz="1800" i="1" dirty="0"/>
-              <a:t> = 19.46 months</a:t>
-            </a:r>
-            <a:endParaRPr lang="it-IT" sz="1800" dirty="0"/>
-          </a:p>
-          <a:p>
-            <a:pPr marL="457200" lvl="1" indent="0">
-              <a:buNone/>
-            </a:pPr>
-            <a:r>
-              <a:rPr lang="en-GB" sz="1800" i="1" dirty="0" err="1"/>
-              <a:t>Duration</a:t>
-            </a:r>
-            <a:r>
-              <a:rPr lang="en-GB" sz="1800" i="1" baseline="-25000" dirty="0" err="1"/>
-              <a:t>U</a:t>
-            </a:r>
-            <a:r>
-              <a:rPr lang="en-GB" sz="1800" i="1" dirty="0"/>
-              <a:t> = 26.07 months</a:t>
-            </a:r>
-          </a:p>
-          <a:p>
-            <a:endParaRPr lang="en-GB" sz="1800" i="1" dirty="0"/>
-          </a:p>
-          <a:p>
-            <a:r>
-              <a:rPr lang="en-GB" sz="2000" i="1" dirty="0"/>
-              <a:t>Team size</a:t>
-            </a:r>
-            <a:endParaRPr lang="it-IT" sz="2000" dirty="0"/>
-          </a:p>
-          <a:p>
-            <a:pPr marL="457200" lvl="1" indent="0">
-              <a:buNone/>
-            </a:pPr>
-            <a:r>
-              <a:rPr lang="en-GB" sz="1800" i="1" dirty="0" err="1"/>
-              <a:t>N</a:t>
-            </a:r>
-            <a:r>
-              <a:rPr lang="en-GB" sz="1800" i="1" baseline="-25000" dirty="0" err="1"/>
-              <a:t>people</a:t>
-            </a:r>
-            <a:r>
-              <a:rPr lang="en-GB" sz="1800" i="1" dirty="0"/>
-              <a:t> = </a:t>
-            </a:r>
-            <a:r>
-              <a:rPr lang="it-IT" sz="1800" i="1" dirty="0"/>
-              <a:t>2</a:t>
-            </a:r>
-            <a:endParaRPr lang="it-IT" sz="1800" dirty="0"/>
-          </a:p>
-          <a:p>
-            <a:endParaRPr lang="it-IT" dirty="0"/>
-          </a:p>
-        </p:txBody>
-      </p:sp>
-      <p:sp>
-        <p:nvSpPr>
-          <p:cNvPr id="11" name="Segnaposto testo 4"/>
-          <p:cNvSpPr>
-            <a:spLocks noGrp="1"/>
-          </p:cNvSpPr>
-          <p:nvPr>
-            <p:ph type="body" idx="1"/>
-          </p:nvPr>
-        </p:nvSpPr>
-        <p:spPr>
-          <a:xfrm>
-            <a:off x="8271762" y="1690688"/>
-            <a:ext cx="3083626" cy="823912"/>
-          </a:xfrm>
-        </p:spPr>
-        <p:txBody>
-          <a:bodyPr/>
-          <a:lstStyle/>
-          <a:p>
-            <a:r>
-              <a:rPr lang="it-IT" dirty="0"/>
-              <a:t>3: COCOMO II </a:t>
-            </a:r>
-            <a:r>
-              <a:rPr lang="it-IT" dirty="0" err="1"/>
-              <a:t>automated</a:t>
-            </a:r>
-            <a:r>
-              <a:rPr lang="it-IT" dirty="0"/>
-              <a:t> </a:t>
-            </a:r>
-            <a:r>
-              <a:rPr lang="it-IT" dirty="0" err="1"/>
-              <a:t>tool</a:t>
-            </a:r>
-            <a:r>
-              <a:rPr lang="it-IT" dirty="0"/>
-              <a:t> </a:t>
-            </a:r>
-          </a:p>
-        </p:txBody>
-      </p:sp>
-      <p:sp>
-        <p:nvSpPr>
-          <p:cNvPr id="12" name="Segnaposto contenuto 5"/>
-          <p:cNvSpPr>
-            <a:spLocks noGrp="1"/>
-          </p:cNvSpPr>
-          <p:nvPr>
-            <p:ph sz="half" idx="2"/>
-          </p:nvPr>
-        </p:nvSpPr>
-        <p:spPr>
-          <a:xfrm>
-            <a:off x="8271761" y="2514600"/>
-            <a:ext cx="3083627" cy="3684588"/>
-          </a:xfrm>
-        </p:spPr>
-        <p:txBody>
-          <a:bodyPr/>
-          <a:lstStyle/>
-          <a:p>
-            <a:endParaRPr lang="en-GB" sz="1800" i="1" dirty="0"/>
-          </a:p>
-          <a:p>
-            <a:r>
-              <a:rPr lang="en-GB" sz="2000" i="1" dirty="0"/>
-              <a:t>Duration</a:t>
-            </a:r>
-          </a:p>
-          <a:p>
-            <a:pPr marL="457200" lvl="1" indent="0">
-              <a:buNone/>
-            </a:pPr>
-            <a:r>
-              <a:rPr lang="en-GB" sz="1800" i="1" dirty="0"/>
-              <a:t>Duration = 16.91 months</a:t>
-            </a:r>
-          </a:p>
-          <a:p>
-            <a:endParaRPr lang="en-GB" sz="1800" i="1" dirty="0"/>
-          </a:p>
-          <a:p>
-            <a:endParaRPr lang="en-GB" sz="1800" i="1" dirty="0"/>
-          </a:p>
-          <a:p>
-            <a:r>
-              <a:rPr lang="en-GB" sz="2000" i="1" dirty="0"/>
-              <a:t>Team size</a:t>
-            </a:r>
-            <a:endParaRPr lang="it-IT" sz="2000" dirty="0"/>
-          </a:p>
-          <a:p>
-            <a:pPr marL="457200" lvl="1" indent="0">
-              <a:buNone/>
-            </a:pPr>
-            <a:r>
-              <a:rPr lang="en-GB" sz="1800" i="1" dirty="0" err="1"/>
-              <a:t>N</a:t>
-            </a:r>
-            <a:r>
-              <a:rPr lang="en-GB" sz="1800" i="1" baseline="-25000" dirty="0" err="1"/>
-              <a:t>people</a:t>
-            </a:r>
-            <a:r>
-              <a:rPr lang="en-GB" sz="1800" i="1" baseline="-25000" dirty="0"/>
-              <a:t>-L</a:t>
-            </a:r>
-            <a:r>
-              <a:rPr lang="en-GB" sz="1800" i="1" dirty="0"/>
-              <a:t> = 2.43 ≈ 3</a:t>
-            </a:r>
-            <a:endParaRPr lang="it-IT" sz="1800" dirty="0"/>
+              <a:rPr lang="it-IT" sz="2400" dirty="0"/>
+              <a:t> = 58,15 PM</a:t>
+            </a:r>
+            <a:endParaRPr lang="it-IT" sz="2400" baseline="-25000" dirty="0"/>
+          </a:p>
+          <a:p>
+            <a:endParaRPr lang="it-IT" baseline="-25000" dirty="0"/>
           </a:p>
         </p:txBody>
       </p:sp>
     </p:spTree>
     <p:extLst>
       <p:ext uri="{BB962C8B-B14F-4D97-AF65-F5344CB8AC3E}">
-        <p14:creationId xmlns:p14="http://schemas.microsoft.com/office/powerpoint/2010/main" val="1633170942"/>
+        <p14:creationId xmlns:p14="http://schemas.microsoft.com/office/powerpoint/2010/main" val="2018304232"/>
       </p:ext>
     </p:extLst>
   </p:cSld>
@@ -5614,119 +5260,457 @@
           <a:chExt cx="0" cy="0"/>
         </a:xfrm>
       </p:grpSpPr>
-      <p:pic>
-        <p:nvPicPr>
-          <p:cNvPr id="9" name="Segnaposto contenuto 8"/>
-          <p:cNvPicPr>
-            <a:picLocks noGrp="1"/>
-          </p:cNvPicPr>
-          <p:nvPr>
-            <p:ph idx="1"/>
-          </p:nvPr>
-        </p:nvPicPr>
-        <p:blipFill>
-          <a:blip r:embed="rId2">
-            <a:extLst>
-              <a:ext uri="{28A0092B-C50C-407E-A947-70E740481C1C}">
-                <a14:useLocalDpi xmlns:a14="http://schemas.microsoft.com/office/drawing/2010/main" val="0"/>
-              </a:ext>
-            </a:extLst>
-          </a:blip>
-          <a:stretch>
-            <a:fillRect/>
-          </a:stretch>
-        </p:blipFill>
-        <p:spPr>
-          <a:xfrm>
-            <a:off x="863808" y="307975"/>
-            <a:ext cx="10501422" cy="6241311"/>
-          </a:xfrm>
-          <a:prstGeom prst="rect">
-            <a:avLst/>
-          </a:prstGeom>
-        </p:spPr>
-      </p:pic>
-      <p:sp>
-        <p:nvSpPr>
-          <p:cNvPr id="10" name="Rettangolo 9"/>
-          <p:cNvSpPr/>
-          <p:nvPr/>
-        </p:nvSpPr>
-        <p:spPr>
-          <a:xfrm>
-            <a:off x="730988" y="731254"/>
-            <a:ext cx="4582633" cy="467833"/>
-          </a:xfrm>
-          <a:prstGeom prst="rect">
-            <a:avLst/>
-          </a:prstGeom>
-          <a:solidFill>
-            <a:schemeClr val="bg1"/>
-          </a:solidFill>
-          <a:ln>
-            <a:solidFill>
-              <a:schemeClr val="bg1"/>
-            </a:solidFill>
-          </a:ln>
-        </p:spPr>
-        <p:style>
-          <a:lnRef idx="2">
-            <a:schemeClr val="accent1">
-              <a:shade val="50000"/>
-            </a:schemeClr>
-          </a:lnRef>
-          <a:fillRef idx="1">
-            <a:schemeClr val="accent1"/>
-          </a:fillRef>
-          <a:effectRef idx="0">
-            <a:schemeClr val="accent1"/>
-          </a:effectRef>
-          <a:fontRef idx="minor">
-            <a:schemeClr val="lt1"/>
-          </a:fontRef>
-        </p:style>
-        <p:txBody>
-          <a:bodyPr rtlCol="0" anchor="ctr"/>
-          <a:lstStyle/>
-          <a:p>
-            <a:pPr algn="ctr"/>
+      <p:sp>
+        <p:nvSpPr>
+          <p:cNvPr id="4" name="Titolo 3"/>
+          <p:cNvSpPr>
+            <a:spLocks noGrp="1"/>
+          </p:cNvSpPr>
+          <p:nvPr>
+            <p:ph type="title"/>
+          </p:nvPr>
+        </p:nvSpPr>
+        <p:spPr/>
+        <p:txBody>
+          <a:bodyPr/>
+          <a:lstStyle/>
+          <a:p>
+            <a:r>
+              <a:rPr lang="it-IT" dirty="0"/>
+              <a:t>SCHEDULE ESTIMATION</a:t>
+            </a:r>
+          </a:p>
+        </p:txBody>
+      </p:sp>
+      <p:sp>
+        <p:nvSpPr>
+          <p:cNvPr id="5" name="Segnaposto testo 4"/>
+          <p:cNvSpPr>
+            <a:spLocks noGrp="1"/>
+          </p:cNvSpPr>
+          <p:nvPr>
+            <p:ph type="body" idx="1"/>
+          </p:nvPr>
+        </p:nvSpPr>
+        <p:spPr>
+          <a:xfrm>
+            <a:off x="839789" y="1681163"/>
+            <a:ext cx="3083626" cy="823912"/>
+          </a:xfrm>
+        </p:spPr>
+        <p:txBody>
+          <a:bodyPr/>
+          <a:lstStyle/>
+          <a:p>
+            <a:r>
+              <a:rPr lang="it-IT" dirty="0"/>
+              <a:t>1: Estimate </a:t>
+            </a:r>
+            <a:r>
+              <a:rPr lang="it-IT" dirty="0" err="1"/>
+              <a:t>size</a:t>
+            </a:r>
+            <a:r>
+              <a:rPr lang="it-IT" dirty="0"/>
+              <a:t> and </a:t>
+            </a:r>
+            <a:r>
+              <a:rPr lang="it-IT" dirty="0" err="1"/>
+              <a:t>duration</a:t>
+            </a:r>
+            <a:r>
+              <a:rPr lang="it-IT" dirty="0"/>
+              <a:t> of the team</a:t>
+            </a:r>
+          </a:p>
+        </p:txBody>
+      </p:sp>
+      <p:sp>
+        <p:nvSpPr>
+          <p:cNvPr id="6" name="Segnaposto contenuto 5"/>
+          <p:cNvSpPr>
+            <a:spLocks noGrp="1"/>
+          </p:cNvSpPr>
+          <p:nvPr>
+            <p:ph sz="half" idx="2"/>
+          </p:nvPr>
+        </p:nvSpPr>
+        <p:spPr>
+          <a:xfrm>
+            <a:off x="839788" y="2505075"/>
+            <a:ext cx="3083627" cy="3684588"/>
+          </a:xfrm>
+        </p:spPr>
+        <p:txBody>
+          <a:bodyPr/>
+          <a:lstStyle/>
+          <a:p>
+            <a:endParaRPr lang="en-GB" sz="1800" i="1" dirty="0"/>
+          </a:p>
+          <a:p>
+            <a:r>
+              <a:rPr lang="en-GB" sz="2000" i="1" dirty="0"/>
+              <a:t>Duration</a:t>
+            </a:r>
+          </a:p>
+          <a:p>
+            <a:pPr marL="457200" lvl="1" indent="0">
+              <a:buNone/>
+            </a:pPr>
+            <a:r>
+              <a:rPr lang="en-GB" sz="1800" i="1" dirty="0" err="1"/>
+              <a:t>Duration</a:t>
+            </a:r>
+            <a:r>
+              <a:rPr lang="en-GB" sz="1800" i="1" baseline="-25000" dirty="0" err="1"/>
+              <a:t>L</a:t>
+            </a:r>
+            <a:r>
+              <a:rPr lang="en-GB" sz="1800" i="1" dirty="0"/>
+              <a:t> = 14.91 months</a:t>
+            </a:r>
+            <a:endParaRPr lang="it-IT" sz="1800" dirty="0"/>
+          </a:p>
+          <a:p>
+            <a:pPr marL="457200" lvl="1" indent="0">
+              <a:buNone/>
+            </a:pPr>
+            <a:r>
+              <a:rPr lang="en-GB" sz="1800" i="1" dirty="0" err="1"/>
+              <a:t>Duration</a:t>
+            </a:r>
+            <a:r>
+              <a:rPr lang="en-GB" sz="1800" i="1" baseline="-25000" dirty="0" err="1"/>
+              <a:t>U</a:t>
+            </a:r>
+            <a:r>
+              <a:rPr lang="en-GB" sz="1800" i="1" dirty="0"/>
+              <a:t> = 16.91 months</a:t>
+            </a:r>
+          </a:p>
+          <a:p>
+            <a:endParaRPr lang="en-GB" sz="1800" i="1" dirty="0"/>
+          </a:p>
+          <a:p>
+            <a:r>
+              <a:rPr lang="en-GB" sz="2000" i="1" dirty="0"/>
+              <a:t>Team size</a:t>
+            </a:r>
+            <a:endParaRPr lang="it-IT" sz="2000" dirty="0"/>
+          </a:p>
+          <a:p>
+            <a:pPr marL="457200" lvl="1" indent="0">
+              <a:buNone/>
+            </a:pPr>
+            <a:r>
+              <a:rPr lang="en-GB" sz="1800" i="1" dirty="0" err="1"/>
+              <a:t>N</a:t>
+            </a:r>
+            <a:r>
+              <a:rPr lang="en-GB" sz="1800" i="1" baseline="-25000" dirty="0" err="1"/>
+              <a:t>people</a:t>
+            </a:r>
+            <a:r>
+              <a:rPr lang="en-GB" sz="1800" i="1" baseline="-25000" dirty="0"/>
+              <a:t>-L</a:t>
+            </a:r>
+            <a:r>
+              <a:rPr lang="en-GB" sz="1800" i="1" dirty="0"/>
+              <a:t> = 2.61 ≈ 3</a:t>
+            </a:r>
+            <a:endParaRPr lang="it-IT" sz="1800" dirty="0"/>
+          </a:p>
+          <a:p>
+            <a:pPr marL="457200" lvl="1" indent="0">
+              <a:buNone/>
+            </a:pPr>
+            <a:r>
+              <a:rPr lang="en-GB" sz="1800" i="1" dirty="0" err="1"/>
+              <a:t>N</a:t>
+            </a:r>
+            <a:r>
+              <a:rPr lang="en-GB" sz="1800" i="1" baseline="-25000" dirty="0" err="1"/>
+              <a:t>people</a:t>
+            </a:r>
+            <a:r>
+              <a:rPr lang="en-GB" sz="1800" i="1" baseline="-25000" dirty="0"/>
+              <a:t>-U</a:t>
+            </a:r>
+            <a:r>
+              <a:rPr lang="en-GB" sz="1800" i="1" dirty="0"/>
+              <a:t> = 3.44 ≈ 4</a:t>
+            </a:r>
+            <a:endParaRPr lang="it-IT" sz="1800" dirty="0"/>
+          </a:p>
+          <a:p>
             <a:endParaRPr lang="it-IT" dirty="0"/>
           </a:p>
         </p:txBody>
       </p:sp>
       <p:sp>
         <p:nvSpPr>
-          <p:cNvPr id="7" name="Titolo 6"/>
-          <p:cNvSpPr>
-            <a:spLocks noGrp="1"/>
-          </p:cNvSpPr>
-          <p:nvPr>
-            <p:ph type="title"/>
-          </p:nvPr>
-        </p:nvSpPr>
-        <p:spPr>
-          <a:xfrm>
-            <a:off x="1333500" y="295910"/>
-            <a:ext cx="10515600" cy="1325563"/>
-          </a:xfrm>
-        </p:spPr>
-        <p:txBody>
-          <a:bodyPr>
-            <a:normAutofit/>
-          </a:bodyPr>
-          <a:lstStyle/>
-          <a:p>
-            <a:r>
-              <a:rPr lang="it-IT" sz="3600" dirty="0"/>
-              <a:t>TASK SCHEDULE</a:t>
-            </a:r>
+          <p:cNvPr id="9" name="Segnaposto testo 4"/>
+          <p:cNvSpPr>
+            <a:spLocks noGrp="1"/>
+          </p:cNvSpPr>
+          <p:nvPr>
+            <p:ph type="body" idx="1"/>
+          </p:nvPr>
+        </p:nvSpPr>
+        <p:spPr>
+          <a:xfrm>
+            <a:off x="4555774" y="1690688"/>
+            <a:ext cx="3083626" cy="823912"/>
+          </a:xfrm>
+        </p:spPr>
+        <p:txBody>
+          <a:bodyPr/>
+          <a:lstStyle/>
+          <a:p>
+            <a:r>
+              <a:rPr lang="it-IT" dirty="0"/>
+              <a:t>2: Estimate </a:t>
+            </a:r>
+            <a:r>
+              <a:rPr lang="it-IT" dirty="0" err="1"/>
+              <a:t>duration</a:t>
+            </a:r>
+            <a:r>
+              <a:rPr lang="it-IT" dirty="0"/>
+              <a:t> with 2 </a:t>
+            </a:r>
+            <a:r>
+              <a:rPr lang="it-IT" dirty="0" err="1"/>
+              <a:t>people</a:t>
+            </a:r>
+            <a:r>
+              <a:rPr lang="it-IT" dirty="0"/>
+              <a:t> team</a:t>
+            </a:r>
+          </a:p>
+        </p:txBody>
+      </p:sp>
+      <p:sp>
+        <p:nvSpPr>
+          <p:cNvPr id="10" name="Segnaposto contenuto 5"/>
+          <p:cNvSpPr>
+            <a:spLocks noGrp="1"/>
+          </p:cNvSpPr>
+          <p:nvPr>
+            <p:ph sz="half" idx="2"/>
+          </p:nvPr>
+        </p:nvSpPr>
+        <p:spPr>
+          <a:xfrm>
+            <a:off x="4555773" y="2514600"/>
+            <a:ext cx="3083627" cy="3684588"/>
+          </a:xfrm>
+        </p:spPr>
+        <p:txBody>
+          <a:bodyPr/>
+          <a:lstStyle/>
+          <a:p>
+            <a:endParaRPr lang="en-GB" sz="1800" i="1" dirty="0"/>
+          </a:p>
+          <a:p>
+            <a:r>
+              <a:rPr lang="en-GB" sz="2000" i="1" dirty="0"/>
+              <a:t>Duration</a:t>
+            </a:r>
+          </a:p>
+          <a:p>
+            <a:pPr marL="457200" lvl="1" indent="0">
+              <a:buNone/>
+            </a:pPr>
+            <a:r>
+              <a:rPr lang="en-GB" sz="1800" i="1" dirty="0" err="1"/>
+              <a:t>Duration</a:t>
+            </a:r>
+            <a:r>
+              <a:rPr lang="en-GB" sz="1800" i="1" baseline="-25000" dirty="0" err="1"/>
+              <a:t>L</a:t>
+            </a:r>
+            <a:r>
+              <a:rPr lang="en-GB" sz="1800" i="1" dirty="0"/>
+              <a:t> = 19.46 months</a:t>
+            </a:r>
+            <a:endParaRPr lang="it-IT" sz="1800" dirty="0"/>
+          </a:p>
+          <a:p>
+            <a:pPr marL="457200" lvl="1" indent="0">
+              <a:buNone/>
+            </a:pPr>
+            <a:r>
+              <a:rPr lang="en-GB" sz="1800" i="1" dirty="0" err="1"/>
+              <a:t>Duration</a:t>
+            </a:r>
+            <a:r>
+              <a:rPr lang="en-GB" sz="1800" i="1" baseline="-25000" dirty="0" err="1"/>
+              <a:t>U</a:t>
+            </a:r>
+            <a:r>
+              <a:rPr lang="en-GB" sz="1800" i="1" dirty="0"/>
+              <a:t> = 26.07 months</a:t>
+            </a:r>
+          </a:p>
+          <a:p>
+            <a:endParaRPr lang="en-GB" sz="1800" i="1" dirty="0"/>
+          </a:p>
+          <a:p>
+            <a:r>
+              <a:rPr lang="en-GB" sz="2000" i="1" dirty="0"/>
+              <a:t>Team size</a:t>
+            </a:r>
+            <a:endParaRPr lang="it-IT" sz="2000" dirty="0"/>
+          </a:p>
+          <a:p>
+            <a:pPr marL="457200" lvl="1" indent="0">
+              <a:buNone/>
+            </a:pPr>
+            <a:r>
+              <a:rPr lang="en-GB" sz="1800" i="1" dirty="0" err="1"/>
+              <a:t>N</a:t>
+            </a:r>
+            <a:r>
+              <a:rPr lang="en-GB" sz="1800" i="1" baseline="-25000" dirty="0" err="1"/>
+              <a:t>people</a:t>
+            </a:r>
+            <a:r>
+              <a:rPr lang="en-GB" sz="1800" i="1" dirty="0"/>
+              <a:t> = </a:t>
+            </a:r>
+            <a:r>
+              <a:rPr lang="it-IT" sz="1800" i="1" dirty="0"/>
+              <a:t>2</a:t>
+            </a:r>
+            <a:endParaRPr lang="it-IT" sz="1800" dirty="0"/>
+          </a:p>
+          <a:p>
+            <a:endParaRPr lang="it-IT" dirty="0"/>
+          </a:p>
+        </p:txBody>
+      </p:sp>
+      <p:sp>
+        <p:nvSpPr>
+          <p:cNvPr id="11" name="Segnaposto testo 4"/>
+          <p:cNvSpPr>
+            <a:spLocks noGrp="1"/>
+          </p:cNvSpPr>
+          <p:nvPr>
+            <p:ph type="body" idx="1"/>
+          </p:nvPr>
+        </p:nvSpPr>
+        <p:spPr>
+          <a:xfrm>
+            <a:off x="8271762" y="1690688"/>
+            <a:ext cx="3083626" cy="823912"/>
+          </a:xfrm>
+        </p:spPr>
+        <p:txBody>
+          <a:bodyPr/>
+          <a:lstStyle/>
+          <a:p>
+            <a:r>
+              <a:rPr lang="it-IT" dirty="0"/>
+              <a:t>3: COCOMO II </a:t>
+            </a:r>
+            <a:r>
+              <a:rPr lang="it-IT" dirty="0" err="1"/>
+              <a:t>automated</a:t>
+            </a:r>
+            <a:r>
+              <a:rPr lang="it-IT" dirty="0"/>
+              <a:t> </a:t>
+            </a:r>
+            <a:r>
+              <a:rPr lang="it-IT" dirty="0" err="1"/>
+              <a:t>tool</a:t>
+            </a:r>
+            <a:r>
+              <a:rPr lang="it-IT" dirty="0"/>
+              <a:t> </a:t>
+            </a:r>
+          </a:p>
+        </p:txBody>
+      </p:sp>
+      <p:sp>
+        <p:nvSpPr>
+          <p:cNvPr id="12" name="Segnaposto contenuto 5"/>
+          <p:cNvSpPr>
+            <a:spLocks noGrp="1"/>
+          </p:cNvSpPr>
+          <p:nvPr>
+            <p:ph sz="half" idx="2"/>
+          </p:nvPr>
+        </p:nvSpPr>
+        <p:spPr>
+          <a:xfrm>
+            <a:off x="8271761" y="2514600"/>
+            <a:ext cx="3083627" cy="3684588"/>
+          </a:xfrm>
+        </p:spPr>
+        <p:txBody>
+          <a:bodyPr/>
+          <a:lstStyle/>
+          <a:p>
+            <a:endParaRPr lang="en-GB" sz="1800" i="1" dirty="0"/>
+          </a:p>
+          <a:p>
+            <a:r>
+              <a:rPr lang="en-GB" sz="2000" i="1" dirty="0"/>
+              <a:t>Duration</a:t>
+            </a:r>
+          </a:p>
+          <a:p>
+            <a:pPr marL="457200" lvl="1" indent="0">
+              <a:buNone/>
+            </a:pPr>
+            <a:r>
+              <a:rPr lang="en-GB" sz="1800" i="1" dirty="0"/>
+              <a:t>Duration = 16.91 months</a:t>
+            </a:r>
+          </a:p>
+          <a:p>
+            <a:endParaRPr lang="en-GB" sz="1800" i="1" dirty="0"/>
+          </a:p>
+          <a:p>
+            <a:endParaRPr lang="en-GB" sz="1800" i="1" dirty="0"/>
+          </a:p>
+          <a:p>
+            <a:r>
+              <a:rPr lang="en-GB" sz="2000" i="1" dirty="0"/>
+              <a:t>Team size</a:t>
+            </a:r>
+            <a:endParaRPr lang="it-IT" sz="2000" dirty="0"/>
+          </a:p>
+          <a:p>
+            <a:pPr marL="457200" lvl="1" indent="0">
+              <a:buNone/>
+            </a:pPr>
+            <a:r>
+              <a:rPr lang="en-GB" sz="1800" i="1" dirty="0" err="1"/>
+              <a:t>N</a:t>
+            </a:r>
+            <a:r>
+              <a:rPr lang="en-GB" sz="1800" i="1" baseline="-25000" dirty="0" err="1"/>
+              <a:t>people</a:t>
+            </a:r>
+            <a:r>
+              <a:rPr lang="en-GB" sz="1800" i="1" baseline="-25000" dirty="0"/>
+              <a:t>-L</a:t>
+            </a:r>
+            <a:r>
+              <a:rPr lang="en-GB" sz="1800" i="1" dirty="0"/>
+              <a:t> = 2.43 ≈ 3</a:t>
+            </a:r>
+            <a:endParaRPr lang="it-IT" sz="1800" dirty="0"/>
           </a:p>
         </p:txBody>
       </p:sp>
     </p:spTree>
     <p:extLst>
       <p:ext uri="{BB962C8B-B14F-4D97-AF65-F5344CB8AC3E}">
-        <p14:creationId xmlns:p14="http://schemas.microsoft.com/office/powerpoint/2010/main" val="921232219"/>
+        <p14:creationId xmlns:p14="http://schemas.microsoft.com/office/powerpoint/2010/main" val="1633170942"/>
       </p:ext>
     </p:extLst>
   </p:cSld>
@@ -5753,9 +5737,89 @@
           <a:chExt cx="0" cy="0"/>
         </a:xfrm>
       </p:grpSpPr>
-      <p:sp>
-        <p:nvSpPr>
-          <p:cNvPr id="2" name="Titolo 1"/>
+      <p:pic>
+        <p:nvPicPr>
+          <p:cNvPr id="9" name="Segnaposto contenuto 8"/>
+          <p:cNvPicPr>
+            <a:picLocks noGrp="1"/>
+          </p:cNvPicPr>
+          <p:nvPr>
+            <p:ph idx="1"/>
+          </p:nvPr>
+        </p:nvPicPr>
+        <p:blipFill>
+          <a:blip r:embed="rId2">
+            <a:extLst>
+              <a:ext uri="{28A0092B-C50C-407E-A947-70E740481C1C}">
+                <a14:useLocalDpi xmlns:a14="http://schemas.microsoft.com/office/drawing/2010/main" val="0"/>
+              </a:ext>
+            </a:extLst>
+          </a:blip>
+          <a:stretch>
+            <a:fillRect/>
+          </a:stretch>
+        </p:blipFill>
+        <p:spPr>
+          <a:xfrm>
+            <a:off x="863808" y="307975"/>
+            <a:ext cx="10501422" cy="6241311"/>
+          </a:xfrm>
+          <a:prstGeom prst="rect">
+            <a:avLst/>
+          </a:prstGeom>
+        </p:spPr>
+      </p:pic>
+      <p:sp>
+        <p:nvSpPr>
+          <p:cNvPr id="10" name="Rettangolo 9"/>
+          <p:cNvSpPr/>
+          <p:nvPr/>
+        </p:nvSpPr>
+        <p:spPr>
+          <a:xfrm>
+            <a:off x="730988" y="731254"/>
+            <a:ext cx="4582633" cy="467833"/>
+          </a:xfrm>
+          <a:prstGeom prst="rect">
+            <a:avLst/>
+          </a:prstGeom>
+          <a:solidFill>
+            <a:schemeClr val="bg1"/>
+          </a:solidFill>
+          <a:ln>
+            <a:solidFill>
+              <a:schemeClr val="bg1"/>
+            </a:solidFill>
+          </a:ln>
+        </p:spPr>
+        <p:style>
+          <a:lnRef idx="2">
+            <a:schemeClr val="accent1">
+              <a:shade val="50000"/>
+            </a:schemeClr>
+          </a:lnRef>
+          <a:fillRef idx="1">
+            <a:schemeClr val="accent1"/>
+          </a:fillRef>
+          <a:effectRef idx="0">
+            <a:schemeClr val="accent1"/>
+          </a:effectRef>
+          <a:fontRef idx="minor">
+            <a:schemeClr val="lt1"/>
+          </a:fontRef>
+        </p:style>
+        <p:txBody>
+          <a:bodyPr rtlCol="0" anchor="ctr"/>
+          <a:lstStyle/>
+          <a:p>
+            <a:pPr algn="ctr"/>
+            <a:endParaRPr lang="it-IT" dirty="0"/>
+          </a:p>
+        </p:txBody>
+      </p:sp>
+      <p:sp>
+        <p:nvSpPr>
+          <p:cNvPr id="7" name="Titolo 6"/>
           <p:cNvSpPr>
             <a:spLocks noGrp="1"/>
           </p:cNvSpPr>
@@ -5763,131 +5827,21 @@
             <p:ph type="title"/>
           </p:nvPr>
         </p:nvSpPr>
-        <p:spPr/>
-        <p:txBody>
-          <a:bodyPr/>
-          <a:lstStyle/>
-          <a:p>
-            <a:r>
-              <a:rPr lang="it-IT" dirty="0"/>
-              <a:t>RISKS PLANNING AND MANAGEMENT</a:t>
-            </a:r>
-          </a:p>
-        </p:txBody>
-      </p:sp>
-      <p:sp>
-        <p:nvSpPr>
-          <p:cNvPr id="3" name="Segnaposto contenuto 2"/>
-          <p:cNvSpPr>
-            <a:spLocks noGrp="1"/>
-          </p:cNvSpPr>
-          <p:nvPr>
-            <p:ph idx="1"/>
-          </p:nvPr>
-        </p:nvSpPr>
-        <p:spPr/>
-        <p:txBody>
-          <a:bodyPr/>
-          <a:lstStyle/>
-          <a:p>
-            <a:r>
-              <a:rPr lang="it-IT" dirty="0"/>
-              <a:t>Project </a:t>
-            </a:r>
-            <a:r>
-              <a:rPr lang="it-IT" dirty="0" err="1"/>
-              <a:t>delays</a:t>
-            </a:r>
-            <a:endParaRPr lang="it-IT" dirty="0"/>
-          </a:p>
-          <a:p>
-            <a:r>
-              <a:rPr lang="it-IT" dirty="0" err="1"/>
-              <a:t>Stakeholders</a:t>
-            </a:r>
-            <a:r>
-              <a:rPr lang="it-IT" dirty="0"/>
-              <a:t> </a:t>
-            </a:r>
-            <a:r>
-              <a:rPr lang="it-IT" dirty="0" err="1"/>
-              <a:t>bankrupt</a:t>
-            </a:r>
-            <a:endParaRPr lang="it-IT" dirty="0"/>
-          </a:p>
-          <a:p>
-            <a:r>
-              <a:rPr lang="it-IT" dirty="0" err="1"/>
-              <a:t>Wrong</a:t>
-            </a:r>
-            <a:r>
-              <a:rPr lang="it-IT" dirty="0"/>
-              <a:t> </a:t>
-            </a:r>
-            <a:r>
-              <a:rPr lang="it-IT" dirty="0" err="1"/>
-              <a:t>functionalities</a:t>
-            </a:r>
-            <a:r>
-              <a:rPr lang="it-IT" dirty="0"/>
-              <a:t> / </a:t>
-            </a:r>
-            <a:r>
-              <a:rPr lang="it-IT" dirty="0" err="1"/>
-              <a:t>user</a:t>
-            </a:r>
-            <a:r>
-              <a:rPr lang="it-IT" dirty="0"/>
-              <a:t> </a:t>
-            </a:r>
-            <a:r>
-              <a:rPr lang="it-IT" dirty="0" err="1"/>
-              <a:t>interfaces</a:t>
-            </a:r>
-            <a:endParaRPr lang="it-IT" dirty="0"/>
-          </a:p>
-          <a:p>
-            <a:r>
-              <a:rPr lang="it-IT" dirty="0"/>
-              <a:t>Project team </a:t>
-            </a:r>
-            <a:r>
-              <a:rPr lang="it-IT" dirty="0" err="1"/>
-              <a:t>problems</a:t>
-            </a:r>
-            <a:endParaRPr lang="it-IT" dirty="0"/>
-          </a:p>
-          <a:p>
-            <a:r>
-              <a:rPr lang="it-IT" dirty="0" err="1"/>
-              <a:t>External</a:t>
-            </a:r>
-            <a:r>
-              <a:rPr lang="it-IT" dirty="0"/>
-              <a:t> </a:t>
-            </a:r>
-            <a:r>
-              <a:rPr lang="it-IT" dirty="0" err="1"/>
-              <a:t>components</a:t>
-            </a:r>
-            <a:r>
-              <a:rPr lang="it-IT" dirty="0"/>
-              <a:t> </a:t>
-            </a:r>
-            <a:r>
-              <a:rPr lang="it-IT" dirty="0" err="1"/>
-              <a:t>failure</a:t>
-            </a:r>
-            <a:endParaRPr lang="it-IT" dirty="0"/>
-          </a:p>
-          <a:p>
-            <a:r>
-              <a:rPr lang="it-IT" dirty="0" err="1"/>
-              <a:t>Loss</a:t>
-            </a:r>
-            <a:r>
-              <a:rPr lang="it-IT" dirty="0"/>
-              <a:t> of work</a:t>
+        <p:spPr>
+          <a:xfrm>
+            <a:off x="1333500" y="295910"/>
+            <a:ext cx="10515600" cy="1325563"/>
+          </a:xfrm>
+        </p:spPr>
+        <p:txBody>
+          <a:bodyPr>
+            <a:normAutofit/>
+          </a:bodyPr>
+          <a:lstStyle/>
+          <a:p>
+            <a:r>
+              <a:rPr lang="it-IT" sz="3600" dirty="0"/>
+              <a:t>TASK SCHEDULE</a:t>
             </a:r>
           </a:p>
         </p:txBody>
@@ -5895,7 +5849,7 @@
     </p:spTree>
     <p:extLst>
       <p:ext uri="{BB962C8B-B14F-4D97-AF65-F5344CB8AC3E}">
-        <p14:creationId xmlns:p14="http://schemas.microsoft.com/office/powerpoint/2010/main" val="4060356768"/>
+        <p14:creationId xmlns:p14="http://schemas.microsoft.com/office/powerpoint/2010/main" val="921232219"/>
       </p:ext>
     </p:extLst>
   </p:cSld>
@@ -5924,7 +5878,7 @@
       </p:grpSpPr>
       <p:sp>
         <p:nvSpPr>
-          <p:cNvPr id="4" name="Titolo 3"/>
+          <p:cNvPr id="2" name="Titolo 1"/>
           <p:cNvSpPr>
             <a:spLocks noGrp="1"/>
           </p:cNvSpPr>
@@ -5932,22 +5886,131 @@
             <p:ph type="title"/>
           </p:nvPr>
         </p:nvSpPr>
-        <p:spPr>
-          <a:xfrm>
-            <a:off x="701040" y="2845435"/>
-            <a:ext cx="10515600" cy="1325563"/>
-          </a:xfrm>
-        </p:spPr>
-        <p:txBody>
-          <a:bodyPr>
-            <a:normAutofit/>
-          </a:bodyPr>
-          <a:lstStyle/>
-          <a:p>
-            <a:pPr algn="ctr"/>
-            <a:r>
-              <a:rPr lang="it-IT" sz="8000" dirty="0"/>
-              <a:t>END</a:t>
+        <p:spPr/>
+        <p:txBody>
+          <a:bodyPr/>
+          <a:lstStyle/>
+          <a:p>
+            <a:r>
+              <a:rPr lang="it-IT" dirty="0"/>
+              <a:t>RISKS PLANNING AND MANAGEMENT</a:t>
+            </a:r>
+          </a:p>
+        </p:txBody>
+      </p:sp>
+      <p:sp>
+        <p:nvSpPr>
+          <p:cNvPr id="3" name="Segnaposto contenuto 2"/>
+          <p:cNvSpPr>
+            <a:spLocks noGrp="1"/>
+          </p:cNvSpPr>
+          <p:nvPr>
+            <p:ph idx="1"/>
+          </p:nvPr>
+        </p:nvSpPr>
+        <p:spPr/>
+        <p:txBody>
+          <a:bodyPr/>
+          <a:lstStyle/>
+          <a:p>
+            <a:r>
+              <a:rPr lang="it-IT" dirty="0"/>
+              <a:t>Project </a:t>
+            </a:r>
+            <a:r>
+              <a:rPr lang="it-IT" dirty="0" err="1"/>
+              <a:t>delays</a:t>
+            </a:r>
+            <a:endParaRPr lang="it-IT" dirty="0"/>
+          </a:p>
+          <a:p>
+            <a:r>
+              <a:rPr lang="it-IT" dirty="0" err="1"/>
+              <a:t>Stakeholders</a:t>
+            </a:r>
+            <a:r>
+              <a:rPr lang="it-IT" dirty="0"/>
+              <a:t> </a:t>
+            </a:r>
+            <a:r>
+              <a:rPr lang="it-IT" dirty="0" err="1"/>
+              <a:t>bankrupt</a:t>
+            </a:r>
+            <a:endParaRPr lang="it-IT" dirty="0"/>
+          </a:p>
+          <a:p>
+            <a:r>
+              <a:rPr lang="it-IT" dirty="0" err="1"/>
+              <a:t>Wrong</a:t>
+            </a:r>
+            <a:r>
+              <a:rPr lang="it-IT" dirty="0"/>
+              <a:t> </a:t>
+            </a:r>
+            <a:r>
+              <a:rPr lang="it-IT" dirty="0" err="1"/>
+              <a:t>functionalities</a:t>
+            </a:r>
+            <a:r>
+              <a:rPr lang="it-IT" dirty="0"/>
+              <a:t> / </a:t>
+            </a:r>
+            <a:r>
+              <a:rPr lang="it-IT" dirty="0" err="1"/>
+              <a:t>user</a:t>
+            </a:r>
+            <a:r>
+              <a:rPr lang="it-IT" dirty="0"/>
+              <a:t> </a:t>
+            </a:r>
+            <a:r>
+              <a:rPr lang="it-IT" dirty="0" err="1"/>
+              <a:t>interfaces</a:t>
+            </a:r>
+            <a:endParaRPr lang="it-IT" dirty="0"/>
+          </a:p>
+          <a:p>
+            <a:r>
+              <a:rPr lang="it-IT" dirty="0"/>
+              <a:t>Project team </a:t>
+            </a:r>
+            <a:r>
+              <a:rPr lang="it-IT" dirty="0" err="1"/>
+              <a:t>problems</a:t>
+            </a:r>
+            <a:endParaRPr lang="it-IT" dirty="0"/>
+          </a:p>
+          <a:p>
+            <a:r>
+              <a:rPr lang="it-IT" dirty="0" err="1"/>
+              <a:t>External</a:t>
+            </a:r>
+            <a:r>
+              <a:rPr lang="it-IT" dirty="0"/>
+              <a:t> </a:t>
+            </a:r>
+            <a:r>
+              <a:rPr lang="it-IT" dirty="0" err="1"/>
+              <a:t>components</a:t>
+            </a:r>
+            <a:r>
+              <a:rPr lang="it-IT" dirty="0"/>
+              <a:t> </a:t>
+            </a:r>
+            <a:r>
+              <a:rPr lang="it-IT" dirty="0" err="1"/>
+              <a:t>failure</a:t>
+            </a:r>
+            <a:endParaRPr lang="it-IT" dirty="0"/>
+          </a:p>
+          <a:p>
+            <a:r>
+              <a:rPr lang="it-IT" dirty="0" err="1"/>
+              <a:t>Loss</a:t>
+            </a:r>
+            <a:r>
+              <a:rPr lang="it-IT" dirty="0"/>
+              <a:t> of work</a:t>
             </a:r>
           </a:p>
         </p:txBody>
@@ -5955,7 +6018,7 @@
     </p:spTree>
     <p:extLst>
       <p:ext uri="{BB962C8B-B14F-4D97-AF65-F5344CB8AC3E}">
-        <p14:creationId xmlns:p14="http://schemas.microsoft.com/office/powerpoint/2010/main" val="543806287"/>
+        <p14:creationId xmlns:p14="http://schemas.microsoft.com/office/powerpoint/2010/main" val="4060356768"/>
       </p:ext>
     </p:extLst>
   </p:cSld>
@@ -6081,6 +6144,66 @@
     <p:extLst>
       <p:ext uri="{BB962C8B-B14F-4D97-AF65-F5344CB8AC3E}">
         <p14:creationId xmlns:p14="http://schemas.microsoft.com/office/powerpoint/2010/main" val="1665840915"/>
+      </p:ext>
+    </p:extLst>
+  </p:cSld>
+  <p:clrMapOvr>
+    <a:masterClrMapping/>
+  </p:clrMapOvr>
+</p:sld>
+</file>
+
+<file path=ppt/slides/slide30.xml><?xml version="1.0" encoding="utf-8"?>
+<p:sld xmlns:a="http://schemas.openxmlformats.org/drawingml/2006/main" xmlns:r="http://schemas.openxmlformats.org/officeDocument/2006/relationships" xmlns:p="http://schemas.openxmlformats.org/presentationml/2006/main">
+  <p:cSld>
+    <p:spTree>
+      <p:nvGrpSpPr>
+        <p:cNvPr id="1" name=""/>
+        <p:cNvGrpSpPr/>
+        <p:nvPr/>
+      </p:nvGrpSpPr>
+      <p:grpSpPr>
+        <a:xfrm>
+          <a:off x="0" y="0"/>
+          <a:ext cx="0" cy="0"/>
+          <a:chOff x="0" y="0"/>
+          <a:chExt cx="0" cy="0"/>
+        </a:xfrm>
+      </p:grpSpPr>
+      <p:sp>
+        <p:nvSpPr>
+          <p:cNvPr id="4" name="Titolo 3"/>
+          <p:cNvSpPr>
+            <a:spLocks noGrp="1"/>
+          </p:cNvSpPr>
+          <p:nvPr>
+            <p:ph type="title"/>
+          </p:nvPr>
+        </p:nvSpPr>
+        <p:spPr>
+          <a:xfrm>
+            <a:off x="701040" y="2845435"/>
+            <a:ext cx="10515600" cy="1325563"/>
+          </a:xfrm>
+        </p:spPr>
+        <p:txBody>
+          <a:bodyPr>
+            <a:normAutofit/>
+          </a:bodyPr>
+          <a:lstStyle/>
+          <a:p>
+            <a:pPr algn="ctr"/>
+            <a:r>
+              <a:rPr lang="it-IT" sz="8000" dirty="0"/>
+              <a:t>END</a:t>
+            </a:r>
+          </a:p>
+        </p:txBody>
+      </p:sp>
+    </p:spTree>
+    <p:extLst>
+      <p:ext uri="{BB962C8B-B14F-4D97-AF65-F5344CB8AC3E}">
+        <p14:creationId xmlns:p14="http://schemas.microsoft.com/office/powerpoint/2010/main" val="543806287"/>
       </p:ext>
     </p:extLst>
   </p:cSld>
